--- a/Miscellaneous/Presentation for zeroth review/PPT for zeroth review.pptx
+++ b/Miscellaneous/Presentation for zeroth review/PPT for zeroth review.pptx
@@ -5,7 +5,7 @@
     <p:sldMasterId id="2147483648" r:id="rId1"/>
   </p:sldMasterIdLst>
   <p:notesMasterIdLst>
-    <p:notesMasterId r:id="rId40"/>
+    <p:notesMasterId r:id="rId41"/>
   </p:notesMasterIdLst>
   <p:sldIdLst>
     <p:sldId id="257" r:id="rId2"/>
@@ -44,8 +44,9 @@
     <p:sldId id="293" r:id="rId35"/>
     <p:sldId id="294" r:id="rId36"/>
     <p:sldId id="295" r:id="rId37"/>
-    <p:sldId id="265" r:id="rId38"/>
-    <p:sldId id="296" r:id="rId39"/>
+    <p:sldId id="299" r:id="rId38"/>
+    <p:sldId id="265" r:id="rId39"/>
+    <p:sldId id="296" r:id="rId40"/>
   </p:sldIdLst>
   <p:sldSz cx="12192000" cy="6858000"/>
   <p:notesSz cx="6858000" cy="9144000"/>
@@ -146,7 +147,7 @@
   </p:defaultTextStyle>
   <p:extLst>
     <p:ext uri="{521415D9-36F7-43E2-AB2F-B90AF26B5E84}">
-      <p14:sectionLst xmlns:p14="http://schemas.microsoft.com/office/powerpoint/2010/main">
+      <p14:sectionLst xmlns="" xmlns:p14="http://schemas.microsoft.com/office/powerpoint/2010/main">
         <p14:section name="Default Section" id="{A1208393-BF96-41E3-8C78-0F6BAE096405}">
           <p14:sldIdLst>
             <p14:sldId id="257"/>
@@ -192,7 +193,7 @@
       </p14:sectionLst>
     </p:ext>
     <p:ext uri="{EFAFB233-063F-42B5-8137-9DF3F51BA10A}">
-      <p15:sldGuideLst xmlns:p15="http://schemas.microsoft.com/office/powerpoint/2012/main"/>
+      <p15:sldGuideLst xmlns="" xmlns:p15="http://schemas.microsoft.com/office/powerpoint/2012/main"/>
     </p:ext>
   </p:extLst>
 </p:presentation>
@@ -334,7 +335,8 @@
           <a:p>
             <a:fld id="{214F1ACB-3A54-4C60-B610-BAEB1CECA8AE}" type="datetimeFigureOut">
               <a:rPr lang="en-GB" smtClean="0"/>
-              <a:t>19/07/2020</a:t>
+              <a:pPr/>
+              <a:t>20/09/2020</a:t>
             </a:fld>
             <a:endParaRPr lang="en-GB"/>
           </a:p>
@@ -493,6 +495,7 @@
           <a:p>
             <a:fld id="{9EEF5C89-F8E5-40A3-AD36-649611E68BC1}" type="slidenum">
               <a:rPr lang="en-GB" smtClean="0"/>
+              <a:pPr/>
               <a:t>‹#›</a:t>
             </a:fld>
             <a:endParaRPr lang="en-GB"/>
@@ -502,7 +505,7 @@
     </p:spTree>
     <p:extLst>
       <p:ext uri="{BB962C8B-B14F-4D97-AF65-F5344CB8AC3E}">
-        <p14:creationId xmlns:p14="http://schemas.microsoft.com/office/powerpoint/2010/main" val="2297191832"/>
+        <p14:creationId xmlns="" xmlns:p14="http://schemas.microsoft.com/office/powerpoint/2010/main" val="2297191832"/>
       </p:ext>
     </p:extLst>
   </p:cSld>
@@ -624,7 +627,7 @@
           <p:cNvPr id="2" name="Title 1">
             <a:extLst>
               <a:ext uri="{FF2B5EF4-FFF2-40B4-BE49-F238E27FC236}">
-                <a16:creationId xmlns:a16="http://schemas.microsoft.com/office/drawing/2014/main" id="{578D86C8-6D2B-4FFC-983D-93E2E543A041}"/>
+                <a16:creationId xmlns="" xmlns:a16="http://schemas.microsoft.com/office/drawing/2014/main" id="{578D86C8-6D2B-4FFC-983D-93E2E543A041}"/>
               </a:ext>
             </a:extLst>
           </p:cNvPr>
@@ -667,7 +670,7 @@
           <p:cNvPr id="3" name="Subtitle 2">
             <a:extLst>
               <a:ext uri="{FF2B5EF4-FFF2-40B4-BE49-F238E27FC236}">
-                <a16:creationId xmlns:a16="http://schemas.microsoft.com/office/drawing/2014/main" id="{83A2531E-D092-4F25-9ACE-12035AA9E089}"/>
+                <a16:creationId xmlns="" xmlns:a16="http://schemas.microsoft.com/office/drawing/2014/main" id="{83A2531E-D092-4F25-9ACE-12035AA9E089}"/>
               </a:ext>
             </a:extLst>
           </p:cNvPr>
@@ -750,7 +753,7 @@
           <p:cNvPr id="57" name="Group 56">
             <a:extLst>
               <a:ext uri="{FF2B5EF4-FFF2-40B4-BE49-F238E27FC236}">
-                <a16:creationId xmlns:a16="http://schemas.microsoft.com/office/drawing/2014/main" id="{ECAEA2C5-5599-4B77-91D9-A5B76E4D0FE1}"/>
+                <a16:creationId xmlns="" xmlns:a16="http://schemas.microsoft.com/office/drawing/2014/main" id="{ECAEA2C5-5599-4B77-91D9-A5B76E4D0FE1}"/>
               </a:ext>
             </a:extLst>
           </p:cNvPr>
@@ -765,8 +768,8 @@
             <a:chExt cx="2031741" cy="2050558"/>
           </a:xfrm>
         </p:grpSpPr>
-        <mc:AlternateContent xmlns:mc="http://schemas.openxmlformats.org/markup-compatibility/2006" xmlns:p14="http://schemas.microsoft.com/office/powerpoint/2010/main">
-          <mc:Choice Requires="p14">
+        <mc:AlternateContent xmlns:mc="http://schemas.openxmlformats.org/markup-compatibility/2006">
+          <mc:Choice xmlns="" xmlns:p14="http://schemas.microsoft.com/office/powerpoint/2010/main" Requires="p14">
             <p:contentPart p14:bwMode="auto" r:id="rId2">
               <p14:nvContentPartPr>
                 <p14:cNvPr id="50" name="Ink 49">
@@ -785,13 +788,13 @@
               </p14:xfrm>
             </p:contentPart>
           </mc:Choice>
-          <mc:Fallback xmlns="">
+          <mc:Fallback>
             <p:pic>
               <p:nvPicPr>
                 <p:cNvPr id="50" name="Ink 49">
                   <a:extLst>
                     <a:ext uri="{FF2B5EF4-FFF2-40B4-BE49-F238E27FC236}">
-                      <a16:creationId xmlns:a16="http://schemas.microsoft.com/office/drawing/2014/main" id="{FB6BE38D-F203-48F2-8780-F61A41649A4B}"/>
+                      <a16:creationId xmlns:p14="http://schemas.microsoft.com/office/powerpoint/2010/main" xmlns="" xmlns:a16="http://schemas.microsoft.com/office/drawing/2014/main" id="{FB6BE38D-F203-48F2-8780-F61A41649A4B}"/>
                     </a:ext>
                   </a:extLst>
                 </p:cNvPr>
@@ -799,7 +802,7 @@
                 <p:nvPr/>
               </p:nvPicPr>
               <p:blipFill>
-                <a:blip r:embed="rId3"/>
+                <a:blip r:embed="rId3" cstate="print"/>
                 <a:stretch>
                   <a:fillRect/>
                 </a:stretch>
@@ -821,7 +824,7 @@
             <p:cNvPr id="13" name="Picture 12">
               <a:extLst>
                 <a:ext uri="{FF2B5EF4-FFF2-40B4-BE49-F238E27FC236}">
-                  <a16:creationId xmlns:a16="http://schemas.microsoft.com/office/drawing/2014/main" id="{D92AD159-30F5-4133-8C0D-17BFC35336C9}"/>
+                  <a16:creationId xmlns="" xmlns:a16="http://schemas.microsoft.com/office/drawing/2014/main" id="{D92AD159-30F5-4133-8C0D-17BFC35336C9}"/>
                 </a:ext>
               </a:extLst>
             </p:cNvPr>
@@ -831,10 +834,10 @@
             <p:nvPr userDrawn="1"/>
           </p:nvPicPr>
           <p:blipFill rotWithShape="1">
-            <a:blip r:embed="rId4">
+            <a:blip r:embed="rId4" cstate="print">
               <a:extLst>
                 <a:ext uri="{BEBA8EAE-BF5A-486C-A8C5-ECC9F3942E4B}">
-                  <a14:imgProps xmlns:a14="http://schemas.microsoft.com/office/drawing/2010/main">
+                  <a14:imgProps xmlns="" xmlns:a14="http://schemas.microsoft.com/office/drawing/2010/main">
                     <a14:imgLayer r:embed="rId5">
                       <a14:imgEffect>
                         <a14:backgroundRemoval t="17963" b="75093" l="18000" r="89000">
@@ -992,7 +995,7 @@
                   </a14:imgProps>
                 </a:ext>
                 <a:ext uri="{28A0092B-C50C-407E-A947-70E740481C1C}">
-                  <a14:useLocalDpi xmlns:a14="http://schemas.microsoft.com/office/drawing/2010/main" val="0"/>
+                  <a14:useLocalDpi xmlns="" xmlns:a14="http://schemas.microsoft.com/office/drawing/2010/main" val="0"/>
                 </a:ext>
               </a:extLst>
             </a:blip>
@@ -1019,7 +1022,7 @@
           <p:cNvPr id="55" name="Text Placeholder 54">
             <a:extLst>
               <a:ext uri="{FF2B5EF4-FFF2-40B4-BE49-F238E27FC236}">
-                <a16:creationId xmlns:a16="http://schemas.microsoft.com/office/drawing/2014/main" id="{3BA187E1-F2E4-4C43-AA76-1814B2BF3495}"/>
+                <a16:creationId xmlns="" xmlns:a16="http://schemas.microsoft.com/office/drawing/2014/main" id="{3BA187E1-F2E4-4C43-AA76-1814B2BF3495}"/>
               </a:ext>
             </a:extLst>
           </p:cNvPr>
@@ -1151,7 +1154,7 @@
     </p:spTree>
     <p:extLst>
       <p:ext uri="{BB962C8B-B14F-4D97-AF65-F5344CB8AC3E}">
-        <p14:creationId xmlns:p14="http://schemas.microsoft.com/office/powerpoint/2010/main" val="471687073"/>
+        <p14:creationId xmlns="" xmlns:p14="http://schemas.microsoft.com/office/powerpoint/2010/main" val="471687073"/>
       </p:ext>
     </p:extLst>
   </p:cSld>
@@ -1315,7 +1318,7 @@
           <p:cNvPr id="5" name="Group 4">
             <a:extLst>
               <a:ext uri="{FF2B5EF4-FFF2-40B4-BE49-F238E27FC236}">
-                <a16:creationId xmlns:a16="http://schemas.microsoft.com/office/drawing/2014/main" id="{07C9A18F-847B-4E5B-8FA3-1643AE6ED406}"/>
+                <a16:creationId xmlns="" xmlns:a16="http://schemas.microsoft.com/office/drawing/2014/main" id="{07C9A18F-847B-4E5B-8FA3-1643AE6ED406}"/>
               </a:ext>
             </a:extLst>
           </p:cNvPr>
@@ -1330,8 +1333,8 @@
             <a:chExt cx="2031741" cy="2050558"/>
           </a:xfrm>
         </p:grpSpPr>
-        <mc:AlternateContent xmlns:mc="http://schemas.openxmlformats.org/markup-compatibility/2006" xmlns:p14="http://schemas.microsoft.com/office/powerpoint/2010/main">
-          <mc:Choice Requires="p14">
+        <mc:AlternateContent xmlns:mc="http://schemas.openxmlformats.org/markup-compatibility/2006">
+          <mc:Choice xmlns="" xmlns:p14="http://schemas.microsoft.com/office/powerpoint/2010/main" Requires="p14">
             <p:contentPart p14:bwMode="auto" r:id="rId2">
               <p14:nvContentPartPr>
                 <p14:cNvPr id="3" name="Ink 2">
@@ -1350,13 +1353,13 @@
               </p14:xfrm>
             </p:contentPart>
           </mc:Choice>
-          <mc:Fallback xmlns="">
+          <mc:Fallback>
             <p:pic>
               <p:nvPicPr>
                 <p:cNvPr id="3" name="Ink 2">
                   <a:extLst>
                     <a:ext uri="{FF2B5EF4-FFF2-40B4-BE49-F238E27FC236}">
-                      <a16:creationId xmlns:a16="http://schemas.microsoft.com/office/drawing/2014/main" id="{2E77150D-2077-4C4F-8260-48F272948A87}"/>
+                      <a16:creationId xmlns:p14="http://schemas.microsoft.com/office/powerpoint/2010/main" xmlns="" xmlns:a16="http://schemas.microsoft.com/office/drawing/2014/main" id="{2E77150D-2077-4C4F-8260-48F272948A87}"/>
                     </a:ext>
                   </a:extLst>
                 </p:cNvPr>
@@ -1364,7 +1367,7 @@
                 <p:nvPr/>
               </p:nvPicPr>
               <p:blipFill>
-                <a:blip r:embed="rId3"/>
+                <a:blip r:embed="rId3" cstate="print"/>
                 <a:stretch>
                   <a:fillRect/>
                 </a:stretch>
@@ -1386,7 +1389,7 @@
             <p:cNvPr id="4" name="Picture 3">
               <a:extLst>
                 <a:ext uri="{FF2B5EF4-FFF2-40B4-BE49-F238E27FC236}">
-                  <a16:creationId xmlns:a16="http://schemas.microsoft.com/office/drawing/2014/main" id="{04983A68-AA76-444B-B12A-CA51F0AC7FEF}"/>
+                  <a16:creationId xmlns="" xmlns:a16="http://schemas.microsoft.com/office/drawing/2014/main" id="{04983A68-AA76-444B-B12A-CA51F0AC7FEF}"/>
                 </a:ext>
               </a:extLst>
             </p:cNvPr>
@@ -1396,10 +1399,10 @@
             <p:nvPr userDrawn="1"/>
           </p:nvPicPr>
           <p:blipFill rotWithShape="1">
-            <a:blip r:embed="rId4">
+            <a:blip r:embed="rId4" cstate="print">
               <a:extLst>
                 <a:ext uri="{BEBA8EAE-BF5A-486C-A8C5-ECC9F3942E4B}">
-                  <a14:imgProps xmlns:a14="http://schemas.microsoft.com/office/drawing/2010/main">
+                  <a14:imgProps xmlns="" xmlns:a14="http://schemas.microsoft.com/office/drawing/2010/main">
                     <a14:imgLayer r:embed="rId5">
                       <a14:imgEffect>
                         <a14:backgroundRemoval t="17963" b="75093" l="18000" r="89000">
@@ -1557,7 +1560,7 @@
                   </a14:imgProps>
                 </a:ext>
                 <a:ext uri="{28A0092B-C50C-407E-A947-70E740481C1C}">
-                  <a14:useLocalDpi xmlns:a14="http://schemas.microsoft.com/office/drawing/2010/main" val="0"/>
+                  <a14:useLocalDpi xmlns="" xmlns:a14="http://schemas.microsoft.com/office/drawing/2010/main" val="0"/>
                 </a:ext>
               </a:extLst>
             </a:blip>
@@ -1584,7 +1587,7 @@
           <p:cNvPr id="2" name="Title 1">
             <a:extLst>
               <a:ext uri="{FF2B5EF4-FFF2-40B4-BE49-F238E27FC236}">
-                <a16:creationId xmlns:a16="http://schemas.microsoft.com/office/drawing/2014/main" id="{F38C4372-80FE-4127-A30C-12E9B363AEE9}"/>
+                <a16:creationId xmlns="" xmlns:a16="http://schemas.microsoft.com/office/drawing/2014/main" id="{F38C4372-80FE-4127-A30C-12E9B363AEE9}"/>
               </a:ext>
             </a:extLst>
           </p:cNvPr>
@@ -1620,7 +1623,7 @@
     </p:spTree>
     <p:extLst>
       <p:ext uri="{BB962C8B-B14F-4D97-AF65-F5344CB8AC3E}">
-        <p14:creationId xmlns:p14="http://schemas.microsoft.com/office/powerpoint/2010/main" val="3810280330"/>
+        <p14:creationId xmlns="" xmlns:p14="http://schemas.microsoft.com/office/powerpoint/2010/main" val="3810280330"/>
       </p:ext>
     </p:extLst>
   </p:cSld>
@@ -1784,7 +1787,7 @@
           <p:cNvPr id="2" name="Title 1">
             <a:extLst>
               <a:ext uri="{FF2B5EF4-FFF2-40B4-BE49-F238E27FC236}">
-                <a16:creationId xmlns:a16="http://schemas.microsoft.com/office/drawing/2014/main" id="{9DCC4283-054B-48F0-B3CC-117E3B827D88}"/>
+                <a16:creationId xmlns="" xmlns:a16="http://schemas.microsoft.com/office/drawing/2014/main" id="{9DCC4283-054B-48F0-B3CC-117E3B827D88}"/>
               </a:ext>
             </a:extLst>
           </p:cNvPr>
@@ -1822,7 +1825,7 @@
           <p:cNvPr id="3" name="Content Placeholder 2">
             <a:extLst>
               <a:ext uri="{FF2B5EF4-FFF2-40B4-BE49-F238E27FC236}">
-                <a16:creationId xmlns:a16="http://schemas.microsoft.com/office/drawing/2014/main" id="{6AD8E987-F462-47A1-A8CE-6C40B9C9343A}"/>
+                <a16:creationId xmlns="" xmlns:a16="http://schemas.microsoft.com/office/drawing/2014/main" id="{6AD8E987-F462-47A1-A8CE-6C40B9C9343A}"/>
               </a:ext>
             </a:extLst>
           </p:cNvPr>
@@ -1913,7 +1916,7 @@
           <p:cNvPr id="4" name="Text Placeholder 3">
             <a:extLst>
               <a:ext uri="{FF2B5EF4-FFF2-40B4-BE49-F238E27FC236}">
-                <a16:creationId xmlns:a16="http://schemas.microsoft.com/office/drawing/2014/main" id="{F75EDBAD-34E5-449A-BA33-C1A7264D2A1E}"/>
+                <a16:creationId xmlns="" xmlns:a16="http://schemas.microsoft.com/office/drawing/2014/main" id="{F75EDBAD-34E5-449A-BA33-C1A7264D2A1E}"/>
               </a:ext>
             </a:extLst>
           </p:cNvPr>
@@ -1982,7 +1985,7 @@
     </p:spTree>
     <p:extLst>
       <p:ext uri="{BB962C8B-B14F-4D97-AF65-F5344CB8AC3E}">
-        <p14:creationId xmlns:p14="http://schemas.microsoft.com/office/powerpoint/2010/main" val="2794541666"/>
+        <p14:creationId xmlns="" xmlns:p14="http://schemas.microsoft.com/office/powerpoint/2010/main" val="2794541666"/>
       </p:ext>
     </p:extLst>
   </p:cSld>
@@ -2014,7 +2017,7 @@
           <p:cNvPr id="2" name="Title 1">
             <a:extLst>
               <a:ext uri="{FF2B5EF4-FFF2-40B4-BE49-F238E27FC236}">
-                <a16:creationId xmlns:a16="http://schemas.microsoft.com/office/drawing/2014/main" id="{9DB249FE-74A0-4E5C-BD08-0E8354535E2F}"/>
+                <a16:creationId xmlns="" xmlns:a16="http://schemas.microsoft.com/office/drawing/2014/main" id="{9DB249FE-74A0-4E5C-BD08-0E8354535E2F}"/>
               </a:ext>
             </a:extLst>
           </p:cNvPr>
@@ -2052,7 +2055,7 @@
           <p:cNvPr id="3" name="Picture Placeholder 2">
             <a:extLst>
               <a:ext uri="{FF2B5EF4-FFF2-40B4-BE49-F238E27FC236}">
-                <a16:creationId xmlns:a16="http://schemas.microsoft.com/office/drawing/2014/main" id="{2B5C49BD-8862-4E69-BE0A-242D2BDC9EA0}"/>
+                <a16:creationId xmlns="" xmlns:a16="http://schemas.microsoft.com/office/drawing/2014/main" id="{2B5C49BD-8862-4E69-BE0A-242D2BDC9EA0}"/>
               </a:ext>
             </a:extLst>
           </p:cNvPr>
@@ -2119,7 +2122,7 @@
           <p:cNvPr id="4" name="Text Placeholder 3">
             <a:extLst>
               <a:ext uri="{FF2B5EF4-FFF2-40B4-BE49-F238E27FC236}">
-                <a16:creationId xmlns:a16="http://schemas.microsoft.com/office/drawing/2014/main" id="{494AD79A-F6C8-46A5-A1A8-95F7DCE4ECF0}"/>
+                <a16:creationId xmlns="" xmlns:a16="http://schemas.microsoft.com/office/drawing/2014/main" id="{494AD79A-F6C8-46A5-A1A8-95F7DCE4ECF0}"/>
               </a:ext>
             </a:extLst>
           </p:cNvPr>
@@ -2188,7 +2191,7 @@
     </p:spTree>
     <p:extLst>
       <p:ext uri="{BB962C8B-B14F-4D97-AF65-F5344CB8AC3E}">
-        <p14:creationId xmlns:p14="http://schemas.microsoft.com/office/powerpoint/2010/main" val="2151328302"/>
+        <p14:creationId xmlns="" xmlns:p14="http://schemas.microsoft.com/office/powerpoint/2010/main" val="2151328302"/>
       </p:ext>
     </p:extLst>
   </p:cSld>
@@ -2220,7 +2223,7 @@
           <p:cNvPr id="2" name="Title 1">
             <a:extLst>
               <a:ext uri="{FF2B5EF4-FFF2-40B4-BE49-F238E27FC236}">
-                <a16:creationId xmlns:a16="http://schemas.microsoft.com/office/drawing/2014/main" id="{011A0785-A860-4149-B264-37332081F1DB}"/>
+                <a16:creationId xmlns="" xmlns:a16="http://schemas.microsoft.com/office/drawing/2014/main" id="{011A0785-A860-4149-B264-37332081F1DB}"/>
               </a:ext>
             </a:extLst>
           </p:cNvPr>
@@ -2249,7 +2252,7 @@
           <p:cNvPr id="3" name="Vertical Text Placeholder 2">
             <a:extLst>
               <a:ext uri="{FF2B5EF4-FFF2-40B4-BE49-F238E27FC236}">
-                <a16:creationId xmlns:a16="http://schemas.microsoft.com/office/drawing/2014/main" id="{61C899BC-8D69-44F1-AB35-08D0DF6C1525}"/>
+                <a16:creationId xmlns="" xmlns:a16="http://schemas.microsoft.com/office/drawing/2014/main" id="{61C899BC-8D69-44F1-AB35-08D0DF6C1525}"/>
               </a:ext>
             </a:extLst>
           </p:cNvPr>
@@ -2305,7 +2308,7 @@
     </p:spTree>
     <p:extLst>
       <p:ext uri="{BB962C8B-B14F-4D97-AF65-F5344CB8AC3E}">
-        <p14:creationId xmlns:p14="http://schemas.microsoft.com/office/powerpoint/2010/main" val="1408123653"/>
+        <p14:creationId xmlns="" xmlns:p14="http://schemas.microsoft.com/office/powerpoint/2010/main" val="1408123653"/>
       </p:ext>
     </p:extLst>
   </p:cSld>
@@ -2337,7 +2340,7 @@
           <p:cNvPr id="2" name="Vertical Title 1">
             <a:extLst>
               <a:ext uri="{FF2B5EF4-FFF2-40B4-BE49-F238E27FC236}">
-                <a16:creationId xmlns:a16="http://schemas.microsoft.com/office/drawing/2014/main" id="{A0F5313C-276E-4E90-9E35-1B85A87C6F5A}"/>
+                <a16:creationId xmlns="" xmlns:a16="http://schemas.microsoft.com/office/drawing/2014/main" id="{A0F5313C-276E-4E90-9E35-1B85A87C6F5A}"/>
               </a:ext>
             </a:extLst>
           </p:cNvPr>
@@ -2371,7 +2374,7 @@
           <p:cNvPr id="3" name="Vertical Text Placeholder 2">
             <a:extLst>
               <a:ext uri="{FF2B5EF4-FFF2-40B4-BE49-F238E27FC236}">
-                <a16:creationId xmlns:a16="http://schemas.microsoft.com/office/drawing/2014/main" id="{20FF834D-890F-4680-8689-2BD5447ACF5A}"/>
+                <a16:creationId xmlns="" xmlns:a16="http://schemas.microsoft.com/office/drawing/2014/main" id="{20FF834D-890F-4680-8689-2BD5447ACF5A}"/>
               </a:ext>
             </a:extLst>
           </p:cNvPr>
@@ -2432,7 +2435,7 @@
     </p:spTree>
     <p:extLst>
       <p:ext uri="{BB962C8B-B14F-4D97-AF65-F5344CB8AC3E}">
-        <p14:creationId xmlns:p14="http://schemas.microsoft.com/office/powerpoint/2010/main" val="4036660327"/>
+        <p14:creationId xmlns="" xmlns:p14="http://schemas.microsoft.com/office/powerpoint/2010/main" val="4036660327"/>
       </p:ext>
     </p:extLst>
   </p:cSld>
@@ -2464,7 +2467,7 @@
           <p:cNvPr id="2" name="Title 1">
             <a:extLst>
               <a:ext uri="{FF2B5EF4-FFF2-40B4-BE49-F238E27FC236}">
-                <a16:creationId xmlns:a16="http://schemas.microsoft.com/office/drawing/2014/main" id="{CBBC78D2-CC29-42B3-BD3A-9429DC3F4EA8}"/>
+                <a16:creationId xmlns="" xmlns:a16="http://schemas.microsoft.com/office/drawing/2014/main" id="{CBBC78D2-CC29-42B3-BD3A-9429DC3F4EA8}"/>
               </a:ext>
             </a:extLst>
           </p:cNvPr>
@@ -2498,7 +2501,7 @@
           <p:cNvPr id="3" name="Content Placeholder 2">
             <a:extLst>
               <a:ext uri="{FF2B5EF4-FFF2-40B4-BE49-F238E27FC236}">
-                <a16:creationId xmlns:a16="http://schemas.microsoft.com/office/drawing/2014/main" id="{E654DA8E-4DCE-4631-8CD5-663BBE8C02B1}"/>
+                <a16:creationId xmlns="" xmlns:a16="http://schemas.microsoft.com/office/drawing/2014/main" id="{E654DA8E-4DCE-4631-8CD5-663BBE8C02B1}"/>
               </a:ext>
             </a:extLst>
           </p:cNvPr>
@@ -2554,7 +2557,7 @@
     </p:spTree>
     <p:extLst>
       <p:ext uri="{BB962C8B-B14F-4D97-AF65-F5344CB8AC3E}">
-        <p14:creationId xmlns:p14="http://schemas.microsoft.com/office/powerpoint/2010/main" val="3173560049"/>
+        <p14:creationId xmlns="" xmlns:p14="http://schemas.microsoft.com/office/powerpoint/2010/main" val="3173560049"/>
       </p:ext>
     </p:extLst>
   </p:cSld>
@@ -2586,7 +2589,7 @@
           <p:cNvPr id="2" name="Title 1">
             <a:extLst>
               <a:ext uri="{FF2B5EF4-FFF2-40B4-BE49-F238E27FC236}">
-                <a16:creationId xmlns:a16="http://schemas.microsoft.com/office/drawing/2014/main" id="{5366661B-B600-4B3F-B84F-A6EA533E9CD4}"/>
+                <a16:creationId xmlns="" xmlns:a16="http://schemas.microsoft.com/office/drawing/2014/main" id="{5366661B-B600-4B3F-B84F-A6EA533E9CD4}"/>
               </a:ext>
             </a:extLst>
           </p:cNvPr>
@@ -2624,7 +2627,7 @@
           <p:cNvPr id="3" name="Text Placeholder 2">
             <a:extLst>
               <a:ext uri="{FF2B5EF4-FFF2-40B4-BE49-F238E27FC236}">
-                <a16:creationId xmlns:a16="http://schemas.microsoft.com/office/drawing/2014/main" id="{1D20F399-D44C-43E2-822F-B37E84B37941}"/>
+                <a16:creationId xmlns="" xmlns:a16="http://schemas.microsoft.com/office/drawing/2014/main" id="{1D20F399-D44C-43E2-822F-B37E84B37941}"/>
               </a:ext>
             </a:extLst>
           </p:cNvPr>
@@ -2747,7 +2750,7 @@
     </p:spTree>
     <p:extLst>
       <p:ext uri="{BB962C8B-B14F-4D97-AF65-F5344CB8AC3E}">
-        <p14:creationId xmlns:p14="http://schemas.microsoft.com/office/powerpoint/2010/main" val="4261384099"/>
+        <p14:creationId xmlns="" xmlns:p14="http://schemas.microsoft.com/office/powerpoint/2010/main" val="4261384099"/>
       </p:ext>
     </p:extLst>
   </p:cSld>
@@ -2779,7 +2782,7 @@
           <p:cNvPr id="2" name="Title 1">
             <a:extLst>
               <a:ext uri="{FF2B5EF4-FFF2-40B4-BE49-F238E27FC236}">
-                <a16:creationId xmlns:a16="http://schemas.microsoft.com/office/drawing/2014/main" id="{9435A36D-A260-446F-A3BF-CF8275A8C728}"/>
+                <a16:creationId xmlns="" xmlns:a16="http://schemas.microsoft.com/office/drawing/2014/main" id="{9435A36D-A260-446F-A3BF-CF8275A8C728}"/>
               </a:ext>
             </a:extLst>
           </p:cNvPr>
@@ -2808,7 +2811,7 @@
           <p:cNvPr id="3" name="Content Placeholder 2">
             <a:extLst>
               <a:ext uri="{FF2B5EF4-FFF2-40B4-BE49-F238E27FC236}">
-                <a16:creationId xmlns:a16="http://schemas.microsoft.com/office/drawing/2014/main" id="{FB0C39BB-EE0C-49AA-888E-DFE190F346CB}"/>
+                <a16:creationId xmlns="" xmlns:a16="http://schemas.microsoft.com/office/drawing/2014/main" id="{FB0C39BB-EE0C-49AA-888E-DFE190F346CB}"/>
               </a:ext>
             </a:extLst>
           </p:cNvPr>
@@ -2871,7 +2874,7 @@
           <p:cNvPr id="4" name="Content Placeholder 3">
             <a:extLst>
               <a:ext uri="{FF2B5EF4-FFF2-40B4-BE49-F238E27FC236}">
-                <a16:creationId xmlns:a16="http://schemas.microsoft.com/office/drawing/2014/main" id="{E5103877-8D68-4F8F-B625-A507051F8B61}"/>
+                <a16:creationId xmlns="" xmlns:a16="http://schemas.microsoft.com/office/drawing/2014/main" id="{E5103877-8D68-4F8F-B625-A507051F8B61}"/>
               </a:ext>
             </a:extLst>
           </p:cNvPr>
@@ -2932,7 +2935,7 @@
     </p:spTree>
     <p:extLst>
       <p:ext uri="{BB962C8B-B14F-4D97-AF65-F5344CB8AC3E}">
-        <p14:creationId xmlns:p14="http://schemas.microsoft.com/office/powerpoint/2010/main" val="2339916918"/>
+        <p14:creationId xmlns="" xmlns:p14="http://schemas.microsoft.com/office/powerpoint/2010/main" val="2339916918"/>
       </p:ext>
     </p:extLst>
   </p:cSld>
@@ -2964,7 +2967,7 @@
           <p:cNvPr id="2" name="Title 1">
             <a:extLst>
               <a:ext uri="{FF2B5EF4-FFF2-40B4-BE49-F238E27FC236}">
-                <a16:creationId xmlns:a16="http://schemas.microsoft.com/office/drawing/2014/main" id="{F404C676-2C9F-44EE-9DDF-372C3CF4F0D1}"/>
+                <a16:creationId xmlns="" xmlns:a16="http://schemas.microsoft.com/office/drawing/2014/main" id="{F404C676-2C9F-44EE-9DDF-372C3CF4F0D1}"/>
               </a:ext>
             </a:extLst>
           </p:cNvPr>
@@ -2998,7 +3001,7 @@
           <p:cNvPr id="3" name="Text Placeholder 2">
             <a:extLst>
               <a:ext uri="{FF2B5EF4-FFF2-40B4-BE49-F238E27FC236}">
-                <a16:creationId xmlns:a16="http://schemas.microsoft.com/office/drawing/2014/main" id="{8EE3024E-0925-4490-9885-5DA80B60D7DD}"/>
+                <a16:creationId xmlns="" xmlns:a16="http://schemas.microsoft.com/office/drawing/2014/main" id="{8EE3024E-0925-4490-9885-5DA80B60D7DD}"/>
               </a:ext>
             </a:extLst>
           </p:cNvPr>
@@ -3073,7 +3076,7 @@
           <p:cNvPr id="4" name="Content Placeholder 3">
             <a:extLst>
               <a:ext uri="{FF2B5EF4-FFF2-40B4-BE49-F238E27FC236}">
-                <a16:creationId xmlns:a16="http://schemas.microsoft.com/office/drawing/2014/main" id="{B539E42C-ACC9-4DC3-A730-BB399E21E214}"/>
+                <a16:creationId xmlns="" xmlns:a16="http://schemas.microsoft.com/office/drawing/2014/main" id="{B539E42C-ACC9-4DC3-A730-BB399E21E214}"/>
               </a:ext>
             </a:extLst>
           </p:cNvPr>
@@ -3136,7 +3139,7 @@
           <p:cNvPr id="5" name="Text Placeholder 4">
             <a:extLst>
               <a:ext uri="{FF2B5EF4-FFF2-40B4-BE49-F238E27FC236}">
-                <a16:creationId xmlns:a16="http://schemas.microsoft.com/office/drawing/2014/main" id="{EB12227A-348F-422D-8F87-E5107D7BB2A9}"/>
+                <a16:creationId xmlns="" xmlns:a16="http://schemas.microsoft.com/office/drawing/2014/main" id="{EB12227A-348F-422D-8F87-E5107D7BB2A9}"/>
               </a:ext>
             </a:extLst>
           </p:cNvPr>
@@ -3192,7 +3195,7 @@
           <p:cNvPr id="6" name="Content Placeholder 5">
             <a:extLst>
               <a:ext uri="{FF2B5EF4-FFF2-40B4-BE49-F238E27FC236}">
-                <a16:creationId xmlns:a16="http://schemas.microsoft.com/office/drawing/2014/main" id="{3A83B768-5796-48C3-ABA5-90CCA0C4434A}"/>
+                <a16:creationId xmlns="" xmlns:a16="http://schemas.microsoft.com/office/drawing/2014/main" id="{3A83B768-5796-48C3-ABA5-90CCA0C4434A}"/>
               </a:ext>
             </a:extLst>
           </p:cNvPr>
@@ -3253,7 +3256,7 @@
     </p:spTree>
     <p:extLst>
       <p:ext uri="{BB962C8B-B14F-4D97-AF65-F5344CB8AC3E}">
-        <p14:creationId xmlns:p14="http://schemas.microsoft.com/office/powerpoint/2010/main" val="1034063741"/>
+        <p14:creationId xmlns="" xmlns:p14="http://schemas.microsoft.com/office/powerpoint/2010/main" val="1034063741"/>
       </p:ext>
     </p:extLst>
   </p:cSld>
@@ -3285,7 +3288,7 @@
           <p:cNvPr id="2" name="Title 1">
             <a:extLst>
               <a:ext uri="{FF2B5EF4-FFF2-40B4-BE49-F238E27FC236}">
-                <a16:creationId xmlns:a16="http://schemas.microsoft.com/office/drawing/2014/main" id="{F404C676-2C9F-44EE-9DDF-372C3CF4F0D1}"/>
+                <a16:creationId xmlns="" xmlns:a16="http://schemas.microsoft.com/office/drawing/2014/main" id="{F404C676-2C9F-44EE-9DDF-372C3CF4F0D1}"/>
               </a:ext>
             </a:extLst>
           </p:cNvPr>
@@ -3319,7 +3322,7 @@
           <p:cNvPr id="3" name="Text Placeholder 2">
             <a:extLst>
               <a:ext uri="{FF2B5EF4-FFF2-40B4-BE49-F238E27FC236}">
-                <a16:creationId xmlns:a16="http://schemas.microsoft.com/office/drawing/2014/main" id="{8EE3024E-0925-4490-9885-5DA80B60D7DD}"/>
+                <a16:creationId xmlns="" xmlns:a16="http://schemas.microsoft.com/office/drawing/2014/main" id="{8EE3024E-0925-4490-9885-5DA80B60D7DD}"/>
               </a:ext>
             </a:extLst>
           </p:cNvPr>
@@ -3400,7 +3403,7 @@
           <p:cNvPr id="4" name="Content Placeholder 3">
             <a:extLst>
               <a:ext uri="{FF2B5EF4-FFF2-40B4-BE49-F238E27FC236}">
-                <a16:creationId xmlns:a16="http://schemas.microsoft.com/office/drawing/2014/main" id="{B539E42C-ACC9-4DC3-A730-BB399E21E214}"/>
+                <a16:creationId xmlns="" xmlns:a16="http://schemas.microsoft.com/office/drawing/2014/main" id="{B539E42C-ACC9-4DC3-A730-BB399E21E214}"/>
               </a:ext>
             </a:extLst>
           </p:cNvPr>
@@ -3469,7 +3472,7 @@
           <p:cNvPr id="5" name="Text Placeholder 4">
             <a:extLst>
               <a:ext uri="{FF2B5EF4-FFF2-40B4-BE49-F238E27FC236}">
-                <a16:creationId xmlns:a16="http://schemas.microsoft.com/office/drawing/2014/main" id="{EB12227A-348F-422D-8F87-E5107D7BB2A9}"/>
+                <a16:creationId xmlns="" xmlns:a16="http://schemas.microsoft.com/office/drawing/2014/main" id="{EB12227A-348F-422D-8F87-E5107D7BB2A9}"/>
               </a:ext>
             </a:extLst>
           </p:cNvPr>
@@ -3531,7 +3534,7 @@
           <p:cNvPr id="6" name="Content Placeholder 5">
             <a:extLst>
               <a:ext uri="{FF2B5EF4-FFF2-40B4-BE49-F238E27FC236}">
-                <a16:creationId xmlns:a16="http://schemas.microsoft.com/office/drawing/2014/main" id="{3A83B768-5796-48C3-ABA5-90CCA0C4434A}"/>
+                <a16:creationId xmlns="" xmlns:a16="http://schemas.microsoft.com/office/drawing/2014/main" id="{3A83B768-5796-48C3-ABA5-90CCA0C4434A}"/>
               </a:ext>
             </a:extLst>
           </p:cNvPr>
@@ -3600,7 +3603,7 @@
           <p:cNvPr id="7" name="Text Placeholder 4">
             <a:extLst>
               <a:ext uri="{FF2B5EF4-FFF2-40B4-BE49-F238E27FC236}">
-                <a16:creationId xmlns:a16="http://schemas.microsoft.com/office/drawing/2014/main" id="{583783CA-A095-47AC-9BCB-18BE998DA537}"/>
+                <a16:creationId xmlns="" xmlns:a16="http://schemas.microsoft.com/office/drawing/2014/main" id="{583783CA-A095-47AC-9BCB-18BE998DA537}"/>
               </a:ext>
             </a:extLst>
           </p:cNvPr>
@@ -3662,7 +3665,7 @@
           <p:cNvPr id="8" name="Content Placeholder 5">
             <a:extLst>
               <a:ext uri="{FF2B5EF4-FFF2-40B4-BE49-F238E27FC236}">
-                <a16:creationId xmlns:a16="http://schemas.microsoft.com/office/drawing/2014/main" id="{0D0D033A-EAC8-4587-811A-7111AA6D3920}"/>
+                <a16:creationId xmlns="" xmlns:a16="http://schemas.microsoft.com/office/drawing/2014/main" id="{0D0D033A-EAC8-4587-811A-7111AA6D3920}"/>
               </a:ext>
             </a:extLst>
           </p:cNvPr>
@@ -3729,7 +3732,7 @@
     </p:spTree>
     <p:extLst>
       <p:ext uri="{BB962C8B-B14F-4D97-AF65-F5344CB8AC3E}">
-        <p14:creationId xmlns:p14="http://schemas.microsoft.com/office/powerpoint/2010/main" val="3620675822"/>
+        <p14:creationId xmlns="" xmlns:p14="http://schemas.microsoft.com/office/powerpoint/2010/main" val="3620675822"/>
       </p:ext>
     </p:extLst>
   </p:cSld>
@@ -3761,7 +3764,7 @@
           <p:cNvPr id="2" name="Title 1">
             <a:extLst>
               <a:ext uri="{FF2B5EF4-FFF2-40B4-BE49-F238E27FC236}">
-                <a16:creationId xmlns:a16="http://schemas.microsoft.com/office/drawing/2014/main" id="{F404C676-2C9F-44EE-9DDF-372C3CF4F0D1}"/>
+                <a16:creationId xmlns="" xmlns:a16="http://schemas.microsoft.com/office/drawing/2014/main" id="{F404C676-2C9F-44EE-9DDF-372C3CF4F0D1}"/>
               </a:ext>
             </a:extLst>
           </p:cNvPr>
@@ -3795,7 +3798,7 @@
           <p:cNvPr id="3" name="Text Placeholder 2">
             <a:extLst>
               <a:ext uri="{FF2B5EF4-FFF2-40B4-BE49-F238E27FC236}">
-                <a16:creationId xmlns:a16="http://schemas.microsoft.com/office/drawing/2014/main" id="{8EE3024E-0925-4490-9885-5DA80B60D7DD}"/>
+                <a16:creationId xmlns="" xmlns:a16="http://schemas.microsoft.com/office/drawing/2014/main" id="{8EE3024E-0925-4490-9885-5DA80B60D7DD}"/>
               </a:ext>
             </a:extLst>
           </p:cNvPr>
@@ -3876,7 +3879,7 @@
           <p:cNvPr id="4" name="Content Placeholder 3">
             <a:extLst>
               <a:ext uri="{FF2B5EF4-FFF2-40B4-BE49-F238E27FC236}">
-                <a16:creationId xmlns:a16="http://schemas.microsoft.com/office/drawing/2014/main" id="{B539E42C-ACC9-4DC3-A730-BB399E21E214}"/>
+                <a16:creationId xmlns="" xmlns:a16="http://schemas.microsoft.com/office/drawing/2014/main" id="{B539E42C-ACC9-4DC3-A730-BB399E21E214}"/>
               </a:ext>
             </a:extLst>
           </p:cNvPr>
@@ -3945,7 +3948,7 @@
           <p:cNvPr id="5" name="Text Placeholder 4">
             <a:extLst>
               <a:ext uri="{FF2B5EF4-FFF2-40B4-BE49-F238E27FC236}">
-                <a16:creationId xmlns:a16="http://schemas.microsoft.com/office/drawing/2014/main" id="{EB12227A-348F-422D-8F87-E5107D7BB2A9}"/>
+                <a16:creationId xmlns="" xmlns:a16="http://schemas.microsoft.com/office/drawing/2014/main" id="{EB12227A-348F-422D-8F87-E5107D7BB2A9}"/>
               </a:ext>
             </a:extLst>
           </p:cNvPr>
@@ -4007,7 +4010,7 @@
           <p:cNvPr id="6" name="Content Placeholder 5">
             <a:extLst>
               <a:ext uri="{FF2B5EF4-FFF2-40B4-BE49-F238E27FC236}">
-                <a16:creationId xmlns:a16="http://schemas.microsoft.com/office/drawing/2014/main" id="{3A83B768-5796-48C3-ABA5-90CCA0C4434A}"/>
+                <a16:creationId xmlns="" xmlns:a16="http://schemas.microsoft.com/office/drawing/2014/main" id="{3A83B768-5796-48C3-ABA5-90CCA0C4434A}"/>
               </a:ext>
             </a:extLst>
           </p:cNvPr>
@@ -4076,7 +4079,7 @@
           <p:cNvPr id="9" name="Text Placeholder 4">
             <a:extLst>
               <a:ext uri="{FF2B5EF4-FFF2-40B4-BE49-F238E27FC236}">
-                <a16:creationId xmlns:a16="http://schemas.microsoft.com/office/drawing/2014/main" id="{B615F728-3321-4B07-9920-15E22747D5D0}"/>
+                <a16:creationId xmlns="" xmlns:a16="http://schemas.microsoft.com/office/drawing/2014/main" id="{B615F728-3321-4B07-9920-15E22747D5D0}"/>
               </a:ext>
             </a:extLst>
           </p:cNvPr>
@@ -4138,7 +4141,7 @@
           <p:cNvPr id="10" name="Content Placeholder 5">
             <a:extLst>
               <a:ext uri="{FF2B5EF4-FFF2-40B4-BE49-F238E27FC236}">
-                <a16:creationId xmlns:a16="http://schemas.microsoft.com/office/drawing/2014/main" id="{9B5E78A0-0E2A-437B-A398-F05A58C44B1E}"/>
+                <a16:creationId xmlns="" xmlns:a16="http://schemas.microsoft.com/office/drawing/2014/main" id="{9B5E78A0-0E2A-437B-A398-F05A58C44B1E}"/>
               </a:ext>
             </a:extLst>
           </p:cNvPr>
@@ -4205,7 +4208,7 @@
     </p:spTree>
     <p:extLst>
       <p:ext uri="{BB962C8B-B14F-4D97-AF65-F5344CB8AC3E}">
-        <p14:creationId xmlns:p14="http://schemas.microsoft.com/office/powerpoint/2010/main" val="3973337934"/>
+        <p14:creationId xmlns="" xmlns:p14="http://schemas.microsoft.com/office/powerpoint/2010/main" val="3973337934"/>
       </p:ext>
     </p:extLst>
   </p:cSld>
@@ -4237,7 +4240,7 @@
           <p:cNvPr id="2" name="Title 1">
             <a:extLst>
               <a:ext uri="{FF2B5EF4-FFF2-40B4-BE49-F238E27FC236}">
-                <a16:creationId xmlns:a16="http://schemas.microsoft.com/office/drawing/2014/main" id="{1F2763AD-810A-4F44-BB2F-CEAA6E795A45}"/>
+                <a16:creationId xmlns="" xmlns:a16="http://schemas.microsoft.com/office/drawing/2014/main" id="{1F2763AD-810A-4F44-BB2F-CEAA6E795A45}"/>
               </a:ext>
             </a:extLst>
           </p:cNvPr>
@@ -4264,7 +4267,7 @@
     </p:spTree>
     <p:extLst>
       <p:ext uri="{BB962C8B-B14F-4D97-AF65-F5344CB8AC3E}">
-        <p14:creationId xmlns:p14="http://schemas.microsoft.com/office/powerpoint/2010/main" val="3376707576"/>
+        <p14:creationId xmlns="" xmlns:p14="http://schemas.microsoft.com/office/powerpoint/2010/main" val="3376707576"/>
       </p:ext>
     </p:extLst>
   </p:cSld>
@@ -4294,7 +4297,7 @@
     </p:spTree>
     <p:extLst>
       <p:ext uri="{BB962C8B-B14F-4D97-AF65-F5344CB8AC3E}">
-        <p14:creationId xmlns:p14="http://schemas.microsoft.com/office/powerpoint/2010/main" val="1394690045"/>
+        <p14:creationId xmlns="" xmlns:p14="http://schemas.microsoft.com/office/powerpoint/2010/main" val="1394690045"/>
       </p:ext>
     </p:extLst>
   </p:cSld>
@@ -4337,7 +4340,7 @@
           <p:cNvPr id="2" name="Title Placeholder 1">
             <a:extLst>
               <a:ext uri="{FF2B5EF4-FFF2-40B4-BE49-F238E27FC236}">
-                <a16:creationId xmlns:a16="http://schemas.microsoft.com/office/drawing/2014/main" id="{559FE7D7-B489-4ADE-A72C-A82B093E0C75}"/>
+                <a16:creationId xmlns="" xmlns:a16="http://schemas.microsoft.com/office/drawing/2014/main" id="{559FE7D7-B489-4ADE-A72C-A82B093E0C75}"/>
               </a:ext>
             </a:extLst>
           </p:cNvPr>
@@ -4376,7 +4379,7 @@
           <p:cNvPr id="3" name="Text Placeholder 2">
             <a:extLst>
               <a:ext uri="{FF2B5EF4-FFF2-40B4-BE49-F238E27FC236}">
-                <a16:creationId xmlns:a16="http://schemas.microsoft.com/office/drawing/2014/main" id="{EDA6BE47-35A0-4C55-B241-F85B04918EF5}"/>
+                <a16:creationId xmlns="" xmlns:a16="http://schemas.microsoft.com/office/drawing/2014/main" id="{EDA6BE47-35A0-4C55-B241-F85B04918EF5}"/>
               </a:ext>
             </a:extLst>
           </p:cNvPr>
@@ -4444,7 +4447,7 @@
           <p:cNvPr id="7" name="Picture 6">
             <a:extLst>
               <a:ext uri="{FF2B5EF4-FFF2-40B4-BE49-F238E27FC236}">
-                <a16:creationId xmlns:a16="http://schemas.microsoft.com/office/drawing/2014/main" id="{95D63B43-EDC4-42A8-9931-C2D31D775966}"/>
+                <a16:creationId xmlns="" xmlns:a16="http://schemas.microsoft.com/office/drawing/2014/main" id="{95D63B43-EDC4-42A8-9931-C2D31D775966}"/>
               </a:ext>
             </a:extLst>
           </p:cNvPr>
@@ -4454,10 +4457,10 @@
           <p:nvPr userDrawn="1"/>
         </p:nvPicPr>
         <p:blipFill rotWithShape="1">
-          <a:blip r:embed="rId16">
+          <a:blip r:embed="rId16" cstate="print">
             <a:extLst>
               <a:ext uri="{BEBA8EAE-BF5A-486C-A8C5-ECC9F3942E4B}">
-                <a14:imgProps xmlns:a14="http://schemas.microsoft.com/office/drawing/2010/main">
+                <a14:imgProps xmlns="" xmlns:a14="http://schemas.microsoft.com/office/drawing/2010/main">
                   <a14:imgLayer r:embed="rId17">
                     <a14:imgEffect>
                       <a14:backgroundRemoval t="17963" b="75093" l="18000" r="89000">
@@ -4615,7 +4618,7 @@
                 </a14:imgProps>
               </a:ext>
               <a:ext uri="{28A0092B-C50C-407E-A947-70E740481C1C}">
-                <a14:useLocalDpi xmlns:a14="http://schemas.microsoft.com/office/drawing/2010/main" val="0"/>
+                <a14:useLocalDpi xmlns="" xmlns:a14="http://schemas.microsoft.com/office/drawing/2010/main" val="0"/>
               </a:ext>
             </a:extLst>
           </a:blip>
@@ -4641,7 +4644,7 @@
           <p:cNvPr id="8" name="Rectangle 7">
             <a:extLst>
               <a:ext uri="{FF2B5EF4-FFF2-40B4-BE49-F238E27FC236}">
-                <a16:creationId xmlns:a16="http://schemas.microsoft.com/office/drawing/2014/main" id="{9E920C17-4315-4C7A-9623-C9389DE1B881}"/>
+                <a16:creationId xmlns="" xmlns:a16="http://schemas.microsoft.com/office/drawing/2014/main" id="{9E920C17-4315-4C7A-9623-C9389DE1B881}"/>
               </a:ext>
             </a:extLst>
           </p:cNvPr>
@@ -4719,7 +4722,7 @@
           <p:cNvPr id="9" name="Rectangle 8">
             <a:extLst>
               <a:ext uri="{FF2B5EF4-FFF2-40B4-BE49-F238E27FC236}">
-                <a16:creationId xmlns:a16="http://schemas.microsoft.com/office/drawing/2014/main" id="{44720160-1203-465E-B37A-138F5CF531B9}"/>
+                <a16:creationId xmlns="" xmlns:a16="http://schemas.microsoft.com/office/drawing/2014/main" id="{44720160-1203-465E-B37A-138F5CF531B9}"/>
               </a:ext>
             </a:extLst>
           </p:cNvPr>
@@ -4784,7 +4787,7 @@
     </p:spTree>
     <p:extLst>
       <p:ext uri="{BB962C8B-B14F-4D97-AF65-F5344CB8AC3E}">
-        <p14:creationId xmlns:p14="http://schemas.microsoft.com/office/powerpoint/2010/main" val="3272073146"/>
+        <p14:creationId xmlns="" xmlns:p14="http://schemas.microsoft.com/office/powerpoint/2010/main" val="3272073146"/>
       </p:ext>
     </p:extLst>
   </p:cSld>
@@ -5831,7 +5834,7 @@
           <p:cNvPr id="7" name="Title 6">
             <a:extLst>
               <a:ext uri="{FF2B5EF4-FFF2-40B4-BE49-F238E27FC236}">
-                <a16:creationId xmlns:a16="http://schemas.microsoft.com/office/drawing/2014/main" id="{23633B37-BEFE-4792-A181-66CE9AE8DE45}"/>
+                <a16:creationId xmlns="" xmlns:a16="http://schemas.microsoft.com/office/drawing/2014/main" id="{23633B37-BEFE-4792-A181-66CE9AE8DE45}"/>
               </a:ext>
             </a:extLst>
           </p:cNvPr>
@@ -5870,7 +5873,7 @@
           <p:cNvPr id="8" name="Subtitle 7">
             <a:extLst>
               <a:ext uri="{FF2B5EF4-FFF2-40B4-BE49-F238E27FC236}">
-                <a16:creationId xmlns:a16="http://schemas.microsoft.com/office/drawing/2014/main" id="{47E8ED0E-18D0-4E37-958C-B16D38BDE82E}"/>
+                <a16:creationId xmlns="" xmlns:a16="http://schemas.microsoft.com/office/drawing/2014/main" id="{47E8ED0E-18D0-4E37-958C-B16D38BDE82E}"/>
               </a:ext>
             </a:extLst>
           </p:cNvPr>
@@ -6016,7 +6019,7 @@
           <p:cNvPr id="9" name="Text Placeholder 8">
             <a:extLst>
               <a:ext uri="{FF2B5EF4-FFF2-40B4-BE49-F238E27FC236}">
-                <a16:creationId xmlns:a16="http://schemas.microsoft.com/office/drawing/2014/main" id="{2F128B5E-11A6-40B0-9322-477E94B229F3}"/>
+                <a16:creationId xmlns="" xmlns:a16="http://schemas.microsoft.com/office/drawing/2014/main" id="{2F128B5E-11A6-40B0-9322-477E94B229F3}"/>
               </a:ext>
             </a:extLst>
           </p:cNvPr>
@@ -6094,7 +6097,7 @@
     </p:spTree>
     <p:extLst>
       <p:ext uri="{BB962C8B-B14F-4D97-AF65-F5344CB8AC3E}">
-        <p14:creationId xmlns:p14="http://schemas.microsoft.com/office/powerpoint/2010/main" val="2822570579"/>
+        <p14:creationId xmlns="" xmlns:p14="http://schemas.microsoft.com/office/powerpoint/2010/main" val="2822570579"/>
       </p:ext>
     </p:extLst>
   </p:cSld>
@@ -6126,7 +6129,7 @@
           <p:cNvPr id="2" name="Title 1">
             <a:extLst>
               <a:ext uri="{FF2B5EF4-FFF2-40B4-BE49-F238E27FC236}">
-                <a16:creationId xmlns:a16="http://schemas.microsoft.com/office/drawing/2014/main" id="{520F51B3-5A6F-4B80-BFAA-D31756C76A6A}"/>
+                <a16:creationId xmlns="" xmlns:a16="http://schemas.microsoft.com/office/drawing/2014/main" id="{520F51B3-5A6F-4B80-BFAA-D31756C76A6A}"/>
               </a:ext>
             </a:extLst>
           </p:cNvPr>
@@ -6167,7 +6170,7 @@
     </p:spTree>
     <p:extLst>
       <p:ext uri="{BB962C8B-B14F-4D97-AF65-F5344CB8AC3E}">
-        <p14:creationId xmlns:p14="http://schemas.microsoft.com/office/powerpoint/2010/main" val="2560910500"/>
+        <p14:creationId xmlns="" xmlns:p14="http://schemas.microsoft.com/office/powerpoint/2010/main" val="2560910500"/>
       </p:ext>
     </p:extLst>
   </p:cSld>
@@ -6199,7 +6202,7 @@
           <p:cNvPr id="4" name="TextBox 3">
             <a:extLst>
               <a:ext uri="{FF2B5EF4-FFF2-40B4-BE49-F238E27FC236}">
-                <a16:creationId xmlns:a16="http://schemas.microsoft.com/office/drawing/2014/main" id="{DCCE8BF0-9E94-4090-95ED-C5D9BDAEF2A6}"/>
+                <a16:creationId xmlns="" xmlns:a16="http://schemas.microsoft.com/office/drawing/2014/main" id="{DCCE8BF0-9E94-4090-95ED-C5D9BDAEF2A6}"/>
               </a:ext>
             </a:extLst>
           </p:cNvPr>
@@ -6246,7 +6249,7 @@
           <p:cNvPr id="6" name="TextBox 5">
             <a:extLst>
               <a:ext uri="{FF2B5EF4-FFF2-40B4-BE49-F238E27FC236}">
-                <a16:creationId xmlns:a16="http://schemas.microsoft.com/office/drawing/2014/main" id="{A1A1F564-74C7-44E7-A9D4-1CB939211979}"/>
+                <a16:creationId xmlns="" xmlns:a16="http://schemas.microsoft.com/office/drawing/2014/main" id="{A1A1F564-74C7-44E7-A9D4-1CB939211979}"/>
               </a:ext>
             </a:extLst>
           </p:cNvPr>
@@ -6281,7 +6284,7 @@
           <p:cNvPr id="8" name="Picture 7">
             <a:extLst>
               <a:ext uri="{FF2B5EF4-FFF2-40B4-BE49-F238E27FC236}">
-                <a16:creationId xmlns:a16="http://schemas.microsoft.com/office/drawing/2014/main" id="{5B547F91-4409-4C94-91AA-B7229E9BCEEA}"/>
+                <a16:creationId xmlns="" xmlns:a16="http://schemas.microsoft.com/office/drawing/2014/main" id="{5B547F91-4409-4C94-91AA-B7229E9BCEEA}"/>
               </a:ext>
             </a:extLst>
           </p:cNvPr>
@@ -6291,7 +6294,7 @@
           <p:nvPr/>
         </p:nvPicPr>
         <p:blipFill rotWithShape="1">
-          <a:blip r:embed="rId2"/>
+          <a:blip r:embed="rId2" cstate="print"/>
           <a:srcRect l="25970" t="18492" r="34851" b="24764"/>
           <a:stretch/>
         </p:blipFill>
@@ -6308,7 +6311,7 @@
     </p:spTree>
     <p:extLst>
       <p:ext uri="{BB962C8B-B14F-4D97-AF65-F5344CB8AC3E}">
-        <p14:creationId xmlns:p14="http://schemas.microsoft.com/office/powerpoint/2010/main" val="2108377738"/>
+        <p14:creationId xmlns="" xmlns:p14="http://schemas.microsoft.com/office/powerpoint/2010/main" val="2108377738"/>
       </p:ext>
     </p:extLst>
   </p:cSld>
@@ -6340,7 +6343,7 @@
           <p:cNvPr id="3" name="Picture 2">
             <a:extLst>
               <a:ext uri="{FF2B5EF4-FFF2-40B4-BE49-F238E27FC236}">
-                <a16:creationId xmlns:a16="http://schemas.microsoft.com/office/drawing/2014/main" id="{DDC4C7F0-5A6E-4A32-98CD-A46D0C35D1D0}"/>
+                <a16:creationId xmlns="" xmlns:a16="http://schemas.microsoft.com/office/drawing/2014/main" id="{DDC4C7F0-5A6E-4A32-98CD-A46D0C35D1D0}"/>
               </a:ext>
             </a:extLst>
           </p:cNvPr>
@@ -6350,10 +6353,10 @@
           <p:nvPr/>
         </p:nvPicPr>
         <p:blipFill>
-          <a:blip r:embed="rId2">
+          <a:blip r:embed="rId2" cstate="print">
             <a:extLst>
               <a:ext uri="{28A0092B-C50C-407E-A947-70E740481C1C}">
-                <a14:useLocalDpi xmlns:a14="http://schemas.microsoft.com/office/drawing/2010/main" val="0"/>
+                <a14:useLocalDpi xmlns="" xmlns:a14="http://schemas.microsoft.com/office/drawing/2010/main" val="0"/>
               </a:ext>
             </a:extLst>
           </a:blip>
@@ -6376,7 +6379,7 @@
           <p:cNvPr id="5" name="TextBox 4">
             <a:extLst>
               <a:ext uri="{FF2B5EF4-FFF2-40B4-BE49-F238E27FC236}">
-                <a16:creationId xmlns:a16="http://schemas.microsoft.com/office/drawing/2014/main" id="{8BDC8284-EDA6-4530-867C-5AF81D30B49C}"/>
+                <a16:creationId xmlns="" xmlns:a16="http://schemas.microsoft.com/office/drawing/2014/main" id="{8BDC8284-EDA6-4530-867C-5AF81D30B49C}"/>
               </a:ext>
             </a:extLst>
           </p:cNvPr>
@@ -6427,7 +6430,7 @@
           <p:cNvPr id="6" name="TextBox 5">
             <a:extLst>
               <a:ext uri="{FF2B5EF4-FFF2-40B4-BE49-F238E27FC236}">
-                <a16:creationId xmlns:a16="http://schemas.microsoft.com/office/drawing/2014/main" id="{82AFD5F1-040F-4A87-B3F7-91A216D89ED5}"/>
+                <a16:creationId xmlns="" xmlns:a16="http://schemas.microsoft.com/office/drawing/2014/main" id="{82AFD5F1-040F-4A87-B3F7-91A216D89ED5}"/>
               </a:ext>
             </a:extLst>
           </p:cNvPr>
@@ -6460,7 +6463,7 @@
     </p:spTree>
     <p:extLst>
       <p:ext uri="{BB962C8B-B14F-4D97-AF65-F5344CB8AC3E}">
-        <p14:creationId xmlns:p14="http://schemas.microsoft.com/office/powerpoint/2010/main" val="3830599063"/>
+        <p14:creationId xmlns="" xmlns:p14="http://schemas.microsoft.com/office/powerpoint/2010/main" val="3830599063"/>
       </p:ext>
     </p:extLst>
   </p:cSld>
@@ -6492,7 +6495,7 @@
           <p:cNvPr id="3" name="Picture 2">
             <a:extLst>
               <a:ext uri="{FF2B5EF4-FFF2-40B4-BE49-F238E27FC236}">
-                <a16:creationId xmlns:a16="http://schemas.microsoft.com/office/drawing/2014/main" id="{D43655A1-1E07-4972-A0FA-C0F9A89E0053}"/>
+                <a16:creationId xmlns="" xmlns:a16="http://schemas.microsoft.com/office/drawing/2014/main" id="{D43655A1-1E07-4972-A0FA-C0F9A89E0053}"/>
               </a:ext>
             </a:extLst>
           </p:cNvPr>
@@ -6502,10 +6505,10 @@
           <p:nvPr/>
         </p:nvPicPr>
         <p:blipFill>
-          <a:blip r:embed="rId2">
+          <a:blip r:embed="rId2" cstate="print">
             <a:extLst>
               <a:ext uri="{28A0092B-C50C-407E-A947-70E740481C1C}">
-                <a14:useLocalDpi xmlns:a14="http://schemas.microsoft.com/office/drawing/2010/main" val="0"/>
+                <a14:useLocalDpi xmlns="" xmlns:a14="http://schemas.microsoft.com/office/drawing/2010/main" val="0"/>
               </a:ext>
             </a:extLst>
           </a:blip>
@@ -6528,7 +6531,7 @@
           <p:cNvPr id="4" name="TextBox 3">
             <a:extLst>
               <a:ext uri="{FF2B5EF4-FFF2-40B4-BE49-F238E27FC236}">
-                <a16:creationId xmlns:a16="http://schemas.microsoft.com/office/drawing/2014/main" id="{A7DF4A99-FD8C-4EB7-B73A-2F242B17CB0E}"/>
+                <a16:creationId xmlns="" xmlns:a16="http://schemas.microsoft.com/office/drawing/2014/main" id="{A7DF4A99-FD8C-4EB7-B73A-2F242B17CB0E}"/>
               </a:ext>
             </a:extLst>
           </p:cNvPr>
@@ -6562,7 +6565,7 @@
     </p:spTree>
     <p:extLst>
       <p:ext uri="{BB962C8B-B14F-4D97-AF65-F5344CB8AC3E}">
-        <p14:creationId xmlns:p14="http://schemas.microsoft.com/office/powerpoint/2010/main" val="3214945842"/>
+        <p14:creationId xmlns="" xmlns:p14="http://schemas.microsoft.com/office/powerpoint/2010/main" val="3214945842"/>
       </p:ext>
     </p:extLst>
   </p:cSld>
@@ -6594,7 +6597,7 @@
           <p:cNvPr id="3" name="Picture 2">
             <a:extLst>
               <a:ext uri="{FF2B5EF4-FFF2-40B4-BE49-F238E27FC236}">
-                <a16:creationId xmlns:a16="http://schemas.microsoft.com/office/drawing/2014/main" id="{62185528-CC99-42C5-B60D-C6D4521B5470}"/>
+                <a16:creationId xmlns="" xmlns:a16="http://schemas.microsoft.com/office/drawing/2014/main" id="{62185528-CC99-42C5-B60D-C6D4521B5470}"/>
               </a:ext>
             </a:extLst>
           </p:cNvPr>
@@ -6604,10 +6607,10 @@
           <p:nvPr/>
         </p:nvPicPr>
         <p:blipFill>
-          <a:blip r:embed="rId2">
+          <a:blip r:embed="rId2" cstate="print">
             <a:extLst>
               <a:ext uri="{28A0092B-C50C-407E-A947-70E740481C1C}">
-                <a14:useLocalDpi xmlns:a14="http://schemas.microsoft.com/office/drawing/2010/main" val="0"/>
+                <a14:useLocalDpi xmlns="" xmlns:a14="http://schemas.microsoft.com/office/drawing/2010/main" val="0"/>
               </a:ext>
             </a:extLst>
           </a:blip>
@@ -6630,7 +6633,7 @@
           <p:cNvPr id="4" name="TextBox 3">
             <a:extLst>
               <a:ext uri="{FF2B5EF4-FFF2-40B4-BE49-F238E27FC236}">
-                <a16:creationId xmlns:a16="http://schemas.microsoft.com/office/drawing/2014/main" id="{2CDD15FC-5DB6-424E-9199-EF2DA9F03AD8}"/>
+                <a16:creationId xmlns="" xmlns:a16="http://schemas.microsoft.com/office/drawing/2014/main" id="{2CDD15FC-5DB6-424E-9199-EF2DA9F03AD8}"/>
               </a:ext>
             </a:extLst>
           </p:cNvPr>
@@ -6664,7 +6667,7 @@
     </p:spTree>
     <p:extLst>
       <p:ext uri="{BB962C8B-B14F-4D97-AF65-F5344CB8AC3E}">
-        <p14:creationId xmlns:p14="http://schemas.microsoft.com/office/powerpoint/2010/main" val="3818699149"/>
+        <p14:creationId xmlns="" xmlns:p14="http://schemas.microsoft.com/office/powerpoint/2010/main" val="3818699149"/>
       </p:ext>
     </p:extLst>
   </p:cSld>
@@ -6696,7 +6699,7 @@
           <p:cNvPr id="3" name="Picture 2">
             <a:extLst>
               <a:ext uri="{FF2B5EF4-FFF2-40B4-BE49-F238E27FC236}">
-                <a16:creationId xmlns:a16="http://schemas.microsoft.com/office/drawing/2014/main" id="{3AE1A4C9-EECE-4BB9-A07E-AD49C48B8227}"/>
+                <a16:creationId xmlns="" xmlns:a16="http://schemas.microsoft.com/office/drawing/2014/main" id="{3AE1A4C9-EECE-4BB9-A07E-AD49C48B8227}"/>
               </a:ext>
             </a:extLst>
           </p:cNvPr>
@@ -6706,10 +6709,10 @@
           <p:nvPr/>
         </p:nvPicPr>
         <p:blipFill>
-          <a:blip r:embed="rId2">
+          <a:blip r:embed="rId2" cstate="print">
             <a:extLst>
               <a:ext uri="{28A0092B-C50C-407E-A947-70E740481C1C}">
-                <a14:useLocalDpi xmlns:a14="http://schemas.microsoft.com/office/drawing/2010/main" val="0"/>
+                <a14:useLocalDpi xmlns="" xmlns:a14="http://schemas.microsoft.com/office/drawing/2010/main" val="0"/>
               </a:ext>
             </a:extLst>
           </a:blip>
@@ -6732,7 +6735,7 @@
           <p:cNvPr id="5" name="TextBox 4">
             <a:extLst>
               <a:ext uri="{FF2B5EF4-FFF2-40B4-BE49-F238E27FC236}">
-                <a16:creationId xmlns:a16="http://schemas.microsoft.com/office/drawing/2014/main" id="{9AB1AFD1-C8B3-476C-B654-659FE02D17BA}"/>
+                <a16:creationId xmlns="" xmlns:a16="http://schemas.microsoft.com/office/drawing/2014/main" id="{9AB1AFD1-C8B3-476C-B654-659FE02D17BA}"/>
               </a:ext>
             </a:extLst>
           </p:cNvPr>
@@ -6766,7 +6769,7 @@
     </p:spTree>
     <p:extLst>
       <p:ext uri="{BB962C8B-B14F-4D97-AF65-F5344CB8AC3E}">
-        <p14:creationId xmlns:p14="http://schemas.microsoft.com/office/powerpoint/2010/main" val="369156413"/>
+        <p14:creationId xmlns="" xmlns:p14="http://schemas.microsoft.com/office/powerpoint/2010/main" val="369156413"/>
       </p:ext>
     </p:extLst>
   </p:cSld>
@@ -6798,7 +6801,7 @@
           <p:cNvPr id="3" name="Picture 2">
             <a:extLst>
               <a:ext uri="{FF2B5EF4-FFF2-40B4-BE49-F238E27FC236}">
-                <a16:creationId xmlns:a16="http://schemas.microsoft.com/office/drawing/2014/main" id="{0ED28B01-9E17-4C3E-9B13-D74F77F8D8BA}"/>
+                <a16:creationId xmlns="" xmlns:a16="http://schemas.microsoft.com/office/drawing/2014/main" id="{0ED28B01-9E17-4C3E-9B13-D74F77F8D8BA}"/>
               </a:ext>
             </a:extLst>
           </p:cNvPr>
@@ -6808,10 +6811,10 @@
           <p:nvPr/>
         </p:nvPicPr>
         <p:blipFill>
-          <a:blip r:embed="rId2">
+          <a:blip r:embed="rId2" cstate="print">
             <a:extLst>
               <a:ext uri="{28A0092B-C50C-407E-A947-70E740481C1C}">
-                <a14:useLocalDpi xmlns:a14="http://schemas.microsoft.com/office/drawing/2010/main" val="0"/>
+                <a14:useLocalDpi xmlns="" xmlns:a14="http://schemas.microsoft.com/office/drawing/2010/main" val="0"/>
               </a:ext>
             </a:extLst>
           </a:blip>
@@ -6834,7 +6837,7 @@
           <p:cNvPr id="4" name="TextBox 3">
             <a:extLst>
               <a:ext uri="{FF2B5EF4-FFF2-40B4-BE49-F238E27FC236}">
-                <a16:creationId xmlns:a16="http://schemas.microsoft.com/office/drawing/2014/main" id="{32A2EFEE-F463-4A0B-951D-02DE9B902F72}"/>
+                <a16:creationId xmlns="" xmlns:a16="http://schemas.microsoft.com/office/drawing/2014/main" id="{32A2EFEE-F463-4A0B-951D-02DE9B902F72}"/>
               </a:ext>
             </a:extLst>
           </p:cNvPr>
@@ -6868,7 +6871,7 @@
     </p:spTree>
     <p:extLst>
       <p:ext uri="{BB962C8B-B14F-4D97-AF65-F5344CB8AC3E}">
-        <p14:creationId xmlns:p14="http://schemas.microsoft.com/office/powerpoint/2010/main" val="3165330669"/>
+        <p14:creationId xmlns="" xmlns:p14="http://schemas.microsoft.com/office/powerpoint/2010/main" val="3165330669"/>
       </p:ext>
     </p:extLst>
   </p:cSld>
@@ -6900,7 +6903,7 @@
           <p:cNvPr id="3" name="Picture 2">
             <a:extLst>
               <a:ext uri="{FF2B5EF4-FFF2-40B4-BE49-F238E27FC236}">
-                <a16:creationId xmlns:a16="http://schemas.microsoft.com/office/drawing/2014/main" id="{872E91D2-B51E-43D6-AD45-B48EF2B237DF}"/>
+                <a16:creationId xmlns="" xmlns:a16="http://schemas.microsoft.com/office/drawing/2014/main" id="{872E91D2-B51E-43D6-AD45-B48EF2B237DF}"/>
               </a:ext>
             </a:extLst>
           </p:cNvPr>
@@ -6910,10 +6913,10 @@
           <p:nvPr/>
         </p:nvPicPr>
         <p:blipFill>
-          <a:blip r:embed="rId2">
+          <a:blip r:embed="rId2" cstate="print">
             <a:extLst>
               <a:ext uri="{28A0092B-C50C-407E-A947-70E740481C1C}">
-                <a14:useLocalDpi xmlns:a14="http://schemas.microsoft.com/office/drawing/2010/main" val="0"/>
+                <a14:useLocalDpi xmlns="" xmlns:a14="http://schemas.microsoft.com/office/drawing/2010/main" val="0"/>
               </a:ext>
             </a:extLst>
           </a:blip>
@@ -6936,7 +6939,7 @@
           <p:cNvPr id="4" name="TextBox 3">
             <a:extLst>
               <a:ext uri="{FF2B5EF4-FFF2-40B4-BE49-F238E27FC236}">
-                <a16:creationId xmlns:a16="http://schemas.microsoft.com/office/drawing/2014/main" id="{0EF10CB8-D0DB-4E16-B120-CD7301CF6888}"/>
+                <a16:creationId xmlns="" xmlns:a16="http://schemas.microsoft.com/office/drawing/2014/main" id="{0EF10CB8-D0DB-4E16-B120-CD7301CF6888}"/>
               </a:ext>
             </a:extLst>
           </p:cNvPr>
@@ -6976,7 +6979,7 @@
     </p:spTree>
     <p:extLst>
       <p:ext uri="{BB962C8B-B14F-4D97-AF65-F5344CB8AC3E}">
-        <p14:creationId xmlns:p14="http://schemas.microsoft.com/office/powerpoint/2010/main" val="2249793489"/>
+        <p14:creationId xmlns="" xmlns:p14="http://schemas.microsoft.com/office/powerpoint/2010/main" val="2249793489"/>
       </p:ext>
     </p:extLst>
   </p:cSld>
@@ -7008,7 +7011,7 @@
           <p:cNvPr id="3" name="Picture 2">
             <a:extLst>
               <a:ext uri="{FF2B5EF4-FFF2-40B4-BE49-F238E27FC236}">
-                <a16:creationId xmlns:a16="http://schemas.microsoft.com/office/drawing/2014/main" id="{236DE233-D7C9-4B92-8E07-D2F6264AC8CC}"/>
+                <a16:creationId xmlns="" xmlns:a16="http://schemas.microsoft.com/office/drawing/2014/main" id="{236DE233-D7C9-4B92-8E07-D2F6264AC8CC}"/>
               </a:ext>
             </a:extLst>
           </p:cNvPr>
@@ -7018,10 +7021,10 @@
           <p:nvPr/>
         </p:nvPicPr>
         <p:blipFill>
-          <a:blip r:embed="rId2">
+          <a:blip r:embed="rId2" cstate="print">
             <a:extLst>
               <a:ext uri="{28A0092B-C50C-407E-A947-70E740481C1C}">
-                <a14:useLocalDpi xmlns:a14="http://schemas.microsoft.com/office/drawing/2010/main" val="0"/>
+                <a14:useLocalDpi xmlns="" xmlns:a14="http://schemas.microsoft.com/office/drawing/2010/main" val="0"/>
               </a:ext>
             </a:extLst>
           </a:blip>
@@ -7044,7 +7047,7 @@
           <p:cNvPr id="4" name="TextBox 3">
             <a:extLst>
               <a:ext uri="{FF2B5EF4-FFF2-40B4-BE49-F238E27FC236}">
-                <a16:creationId xmlns:a16="http://schemas.microsoft.com/office/drawing/2014/main" id="{2F900F51-9B96-484A-B02D-CCD1A4476C11}"/>
+                <a16:creationId xmlns="" xmlns:a16="http://schemas.microsoft.com/office/drawing/2014/main" id="{2F900F51-9B96-484A-B02D-CCD1A4476C11}"/>
               </a:ext>
             </a:extLst>
           </p:cNvPr>
@@ -7078,7 +7081,7 @@
     </p:spTree>
     <p:extLst>
       <p:ext uri="{BB962C8B-B14F-4D97-AF65-F5344CB8AC3E}">
-        <p14:creationId xmlns:p14="http://schemas.microsoft.com/office/powerpoint/2010/main" val="3526035289"/>
+        <p14:creationId xmlns="" xmlns:p14="http://schemas.microsoft.com/office/powerpoint/2010/main" val="3526035289"/>
       </p:ext>
     </p:extLst>
   </p:cSld>
@@ -7110,7 +7113,7 @@
           <p:cNvPr id="3" name="Picture 2">
             <a:extLst>
               <a:ext uri="{FF2B5EF4-FFF2-40B4-BE49-F238E27FC236}">
-                <a16:creationId xmlns:a16="http://schemas.microsoft.com/office/drawing/2014/main" id="{59B85A43-A51D-496F-B876-BAB7582C27AA}"/>
+                <a16:creationId xmlns="" xmlns:a16="http://schemas.microsoft.com/office/drawing/2014/main" id="{59B85A43-A51D-496F-B876-BAB7582C27AA}"/>
               </a:ext>
             </a:extLst>
           </p:cNvPr>
@@ -7120,10 +7123,10 @@
           <p:nvPr/>
         </p:nvPicPr>
         <p:blipFill>
-          <a:blip r:embed="rId2">
+          <a:blip r:embed="rId2" cstate="print">
             <a:extLst>
               <a:ext uri="{28A0092B-C50C-407E-A947-70E740481C1C}">
-                <a14:useLocalDpi xmlns:a14="http://schemas.microsoft.com/office/drawing/2010/main" val="0"/>
+                <a14:useLocalDpi xmlns="" xmlns:a14="http://schemas.microsoft.com/office/drawing/2010/main" val="0"/>
               </a:ext>
             </a:extLst>
           </a:blip>
@@ -7146,7 +7149,7 @@
           <p:cNvPr id="4" name="TextBox 3">
             <a:extLst>
               <a:ext uri="{FF2B5EF4-FFF2-40B4-BE49-F238E27FC236}">
-                <a16:creationId xmlns:a16="http://schemas.microsoft.com/office/drawing/2014/main" id="{31AF06E1-0DA1-437F-BFC2-05C90DF3CA92}"/>
+                <a16:creationId xmlns="" xmlns:a16="http://schemas.microsoft.com/office/drawing/2014/main" id="{31AF06E1-0DA1-437F-BFC2-05C90DF3CA92}"/>
               </a:ext>
             </a:extLst>
           </p:cNvPr>
@@ -7180,7 +7183,7 @@
     </p:spTree>
     <p:extLst>
       <p:ext uri="{BB962C8B-B14F-4D97-AF65-F5344CB8AC3E}">
-        <p14:creationId xmlns:p14="http://schemas.microsoft.com/office/powerpoint/2010/main" val="2037605157"/>
+        <p14:creationId xmlns="" xmlns:p14="http://schemas.microsoft.com/office/powerpoint/2010/main" val="2037605157"/>
       </p:ext>
     </p:extLst>
   </p:cSld>
@@ -7212,7 +7215,7 @@
           <p:cNvPr id="6" name="Table 6">
             <a:extLst>
               <a:ext uri="{FF2B5EF4-FFF2-40B4-BE49-F238E27FC236}">
-                <a16:creationId xmlns:a16="http://schemas.microsoft.com/office/drawing/2014/main" id="{CB7F9990-9C40-46C7-9344-5C62E1A6399F}"/>
+                <a16:creationId xmlns="" xmlns:a16="http://schemas.microsoft.com/office/drawing/2014/main" id="{CB7F9990-9C40-46C7-9344-5C62E1A6399F}"/>
               </a:ext>
             </a:extLst>
           </p:cNvPr>
@@ -7235,7 +7238,7 @@
                 <a:gridCol w="10650827">
                   <a:extLst>
                     <a:ext uri="{9D8B030D-6E8A-4147-A177-3AD203B41FA5}">
-                      <a16:colId xmlns:a16="http://schemas.microsoft.com/office/drawing/2014/main" val="2675881179"/>
+                      <a16:colId xmlns="" xmlns:a16="http://schemas.microsoft.com/office/drawing/2014/main" val="2675881179"/>
                     </a:ext>
                   </a:extLst>
                 </a:gridCol>
@@ -7272,7 +7275,7 @@
                 </a:tc>
                 <a:extLst>
                   <a:ext uri="{0D108BD9-81ED-4DB2-BD59-A6C34878D82A}">
-                    <a16:rowId xmlns:a16="http://schemas.microsoft.com/office/drawing/2014/main" val="1860974357"/>
+                    <a16:rowId xmlns="" xmlns:a16="http://schemas.microsoft.com/office/drawing/2014/main" val="1860974357"/>
                   </a:ext>
                 </a:extLst>
               </a:tr>
@@ -7304,7 +7307,7 @@
                 </a:tc>
                 <a:extLst>
                   <a:ext uri="{0D108BD9-81ED-4DB2-BD59-A6C34878D82A}">
-                    <a16:rowId xmlns:a16="http://schemas.microsoft.com/office/drawing/2014/main" val="409087649"/>
+                    <a16:rowId xmlns="" xmlns:a16="http://schemas.microsoft.com/office/drawing/2014/main" val="409087649"/>
                   </a:ext>
                 </a:extLst>
               </a:tr>
@@ -7326,7 +7329,7 @@
                 </a:tc>
                 <a:extLst>
                   <a:ext uri="{0D108BD9-81ED-4DB2-BD59-A6C34878D82A}">
-                    <a16:rowId xmlns:a16="http://schemas.microsoft.com/office/drawing/2014/main" val="765782626"/>
+                    <a16:rowId xmlns="" xmlns:a16="http://schemas.microsoft.com/office/drawing/2014/main" val="765782626"/>
                   </a:ext>
                 </a:extLst>
               </a:tr>
@@ -7348,7 +7351,7 @@
                 </a:tc>
                 <a:extLst>
                   <a:ext uri="{0D108BD9-81ED-4DB2-BD59-A6C34878D82A}">
-                    <a16:rowId xmlns:a16="http://schemas.microsoft.com/office/drawing/2014/main" val="1128996750"/>
+                    <a16:rowId xmlns="" xmlns:a16="http://schemas.microsoft.com/office/drawing/2014/main" val="1128996750"/>
                   </a:ext>
                 </a:extLst>
               </a:tr>
@@ -7370,7 +7373,7 @@
                 </a:tc>
                 <a:extLst>
                   <a:ext uri="{0D108BD9-81ED-4DB2-BD59-A6C34878D82A}">
-                    <a16:rowId xmlns:a16="http://schemas.microsoft.com/office/drawing/2014/main" val="1008741632"/>
+                    <a16:rowId xmlns="" xmlns:a16="http://schemas.microsoft.com/office/drawing/2014/main" val="1008741632"/>
                   </a:ext>
                 </a:extLst>
               </a:tr>
@@ -7392,7 +7395,7 @@
                 </a:tc>
                 <a:extLst>
                   <a:ext uri="{0D108BD9-81ED-4DB2-BD59-A6C34878D82A}">
-                    <a16:rowId xmlns:a16="http://schemas.microsoft.com/office/drawing/2014/main" val="3352079054"/>
+                    <a16:rowId xmlns="" xmlns:a16="http://schemas.microsoft.com/office/drawing/2014/main" val="3352079054"/>
                   </a:ext>
                 </a:extLst>
               </a:tr>
@@ -7414,7 +7417,7 @@
                 </a:tc>
                 <a:extLst>
                   <a:ext uri="{0D108BD9-81ED-4DB2-BD59-A6C34878D82A}">
-                    <a16:rowId xmlns:a16="http://schemas.microsoft.com/office/drawing/2014/main" val="2798619437"/>
+                    <a16:rowId xmlns="" xmlns:a16="http://schemas.microsoft.com/office/drawing/2014/main" val="2798619437"/>
                   </a:ext>
                 </a:extLst>
               </a:tr>
@@ -7436,7 +7439,7 @@
                 </a:tc>
                 <a:extLst>
                   <a:ext uri="{0D108BD9-81ED-4DB2-BD59-A6C34878D82A}">
-                    <a16:rowId xmlns:a16="http://schemas.microsoft.com/office/drawing/2014/main" val="593255592"/>
+                    <a16:rowId xmlns="" xmlns:a16="http://schemas.microsoft.com/office/drawing/2014/main" val="593255592"/>
                   </a:ext>
                 </a:extLst>
               </a:tr>
@@ -7458,7 +7461,7 @@
                 </a:tc>
                 <a:extLst>
                   <a:ext uri="{0D108BD9-81ED-4DB2-BD59-A6C34878D82A}">
-                    <a16:rowId xmlns:a16="http://schemas.microsoft.com/office/drawing/2014/main" val="616575745"/>
+                    <a16:rowId xmlns="" xmlns:a16="http://schemas.microsoft.com/office/drawing/2014/main" val="616575745"/>
                   </a:ext>
                 </a:extLst>
               </a:tr>
@@ -7469,7 +7472,7 @@
     </p:spTree>
     <p:extLst>
       <p:ext uri="{BB962C8B-B14F-4D97-AF65-F5344CB8AC3E}">
-        <p14:creationId xmlns:p14="http://schemas.microsoft.com/office/powerpoint/2010/main" val="737623031"/>
+        <p14:creationId xmlns="" xmlns:p14="http://schemas.microsoft.com/office/powerpoint/2010/main" val="737623031"/>
       </p:ext>
     </p:extLst>
   </p:cSld>
@@ -7587,7 +7590,7 @@
           <p:cNvPr id="3" name="Picture 2">
             <a:extLst>
               <a:ext uri="{FF2B5EF4-FFF2-40B4-BE49-F238E27FC236}">
-                <a16:creationId xmlns:a16="http://schemas.microsoft.com/office/drawing/2014/main" id="{019150A1-AC4D-41A0-89C7-57BEA4C3557F}"/>
+                <a16:creationId xmlns="" xmlns:a16="http://schemas.microsoft.com/office/drawing/2014/main" id="{019150A1-AC4D-41A0-89C7-57BEA4C3557F}"/>
               </a:ext>
             </a:extLst>
           </p:cNvPr>
@@ -7597,10 +7600,10 @@
           <p:nvPr/>
         </p:nvPicPr>
         <p:blipFill>
-          <a:blip r:embed="rId2">
+          <a:blip r:embed="rId2" cstate="print">
             <a:extLst>
               <a:ext uri="{28A0092B-C50C-407E-A947-70E740481C1C}">
-                <a14:useLocalDpi xmlns:a14="http://schemas.microsoft.com/office/drawing/2010/main" val="0"/>
+                <a14:useLocalDpi xmlns="" xmlns:a14="http://schemas.microsoft.com/office/drawing/2010/main" val="0"/>
               </a:ext>
             </a:extLst>
           </a:blip>
@@ -7623,7 +7626,7 @@
           <p:cNvPr id="4" name="TextBox 3">
             <a:extLst>
               <a:ext uri="{FF2B5EF4-FFF2-40B4-BE49-F238E27FC236}">
-                <a16:creationId xmlns:a16="http://schemas.microsoft.com/office/drawing/2014/main" id="{AF2D513C-6176-4A3D-8C99-17D662779F9A}"/>
+                <a16:creationId xmlns="" xmlns:a16="http://schemas.microsoft.com/office/drawing/2014/main" id="{AF2D513C-6176-4A3D-8C99-17D662779F9A}"/>
               </a:ext>
             </a:extLst>
           </p:cNvPr>
@@ -7656,7 +7659,7 @@
     </p:spTree>
     <p:extLst>
       <p:ext uri="{BB962C8B-B14F-4D97-AF65-F5344CB8AC3E}">
-        <p14:creationId xmlns:p14="http://schemas.microsoft.com/office/powerpoint/2010/main" val="943317959"/>
+        <p14:creationId xmlns="" xmlns:p14="http://schemas.microsoft.com/office/powerpoint/2010/main" val="943317959"/>
       </p:ext>
     </p:extLst>
   </p:cSld>
@@ -7688,7 +7691,7 @@
           <p:cNvPr id="3" name="Picture 2">
             <a:extLst>
               <a:ext uri="{FF2B5EF4-FFF2-40B4-BE49-F238E27FC236}">
-                <a16:creationId xmlns:a16="http://schemas.microsoft.com/office/drawing/2014/main" id="{5A7CD0C8-0B50-4EF3-A483-916B2C12DACF}"/>
+                <a16:creationId xmlns="" xmlns:a16="http://schemas.microsoft.com/office/drawing/2014/main" id="{5A7CD0C8-0B50-4EF3-A483-916B2C12DACF}"/>
               </a:ext>
             </a:extLst>
           </p:cNvPr>
@@ -7698,10 +7701,10 @@
           <p:nvPr/>
         </p:nvPicPr>
         <p:blipFill rotWithShape="1">
-          <a:blip r:embed="rId2">
+          <a:blip r:embed="rId2" cstate="print">
             <a:extLst>
               <a:ext uri="{28A0092B-C50C-407E-A947-70E740481C1C}">
-                <a14:useLocalDpi xmlns:a14="http://schemas.microsoft.com/office/drawing/2010/main" val="0"/>
+                <a14:useLocalDpi xmlns="" xmlns:a14="http://schemas.microsoft.com/office/drawing/2010/main" val="0"/>
               </a:ext>
             </a:extLst>
           </a:blip>
@@ -7723,7 +7726,7 @@
           <p:cNvPr id="4" name="TextBox 3">
             <a:extLst>
               <a:ext uri="{FF2B5EF4-FFF2-40B4-BE49-F238E27FC236}">
-                <a16:creationId xmlns:a16="http://schemas.microsoft.com/office/drawing/2014/main" id="{E14986F5-C009-4B20-BD85-86C3E5D5F188}"/>
+                <a16:creationId xmlns="" xmlns:a16="http://schemas.microsoft.com/office/drawing/2014/main" id="{E14986F5-C009-4B20-BD85-86C3E5D5F188}"/>
               </a:ext>
             </a:extLst>
           </p:cNvPr>
@@ -7769,7 +7772,7 @@
     </p:spTree>
     <p:extLst>
       <p:ext uri="{BB962C8B-B14F-4D97-AF65-F5344CB8AC3E}">
-        <p14:creationId xmlns:p14="http://schemas.microsoft.com/office/powerpoint/2010/main" val="1514012170"/>
+        <p14:creationId xmlns="" xmlns:p14="http://schemas.microsoft.com/office/powerpoint/2010/main" val="1514012170"/>
       </p:ext>
     </p:extLst>
   </p:cSld>
@@ -7801,7 +7804,7 @@
           <p:cNvPr id="3" name="Picture 2">
             <a:extLst>
               <a:ext uri="{FF2B5EF4-FFF2-40B4-BE49-F238E27FC236}">
-                <a16:creationId xmlns:a16="http://schemas.microsoft.com/office/drawing/2014/main" id="{F0E855AB-3A30-48C7-99E3-AF99827F306C}"/>
+                <a16:creationId xmlns="" xmlns:a16="http://schemas.microsoft.com/office/drawing/2014/main" id="{F0E855AB-3A30-48C7-99E3-AF99827F306C}"/>
               </a:ext>
             </a:extLst>
           </p:cNvPr>
@@ -7811,10 +7814,10 @@
           <p:nvPr/>
         </p:nvPicPr>
         <p:blipFill>
-          <a:blip r:embed="rId2">
+          <a:blip r:embed="rId2" cstate="print">
             <a:extLst>
               <a:ext uri="{28A0092B-C50C-407E-A947-70E740481C1C}">
-                <a14:useLocalDpi xmlns:a14="http://schemas.microsoft.com/office/drawing/2010/main" val="0"/>
+                <a14:useLocalDpi xmlns="" xmlns:a14="http://schemas.microsoft.com/office/drawing/2010/main" val="0"/>
               </a:ext>
             </a:extLst>
           </a:blip>
@@ -7837,7 +7840,7 @@
           <p:cNvPr id="4" name="TextBox 3">
             <a:extLst>
               <a:ext uri="{FF2B5EF4-FFF2-40B4-BE49-F238E27FC236}">
-                <a16:creationId xmlns:a16="http://schemas.microsoft.com/office/drawing/2014/main" id="{9F610B53-46B3-4A24-A6C6-2BC20139957B}"/>
+                <a16:creationId xmlns="" xmlns:a16="http://schemas.microsoft.com/office/drawing/2014/main" id="{9F610B53-46B3-4A24-A6C6-2BC20139957B}"/>
               </a:ext>
             </a:extLst>
           </p:cNvPr>
@@ -7871,7 +7874,7 @@
     </p:spTree>
     <p:extLst>
       <p:ext uri="{BB962C8B-B14F-4D97-AF65-F5344CB8AC3E}">
-        <p14:creationId xmlns:p14="http://schemas.microsoft.com/office/powerpoint/2010/main" val="3745376998"/>
+        <p14:creationId xmlns="" xmlns:p14="http://schemas.microsoft.com/office/powerpoint/2010/main" val="3745376998"/>
       </p:ext>
     </p:extLst>
   </p:cSld>
@@ -7903,7 +7906,7 @@
           <p:cNvPr id="3" name="Picture 2">
             <a:extLst>
               <a:ext uri="{FF2B5EF4-FFF2-40B4-BE49-F238E27FC236}">
-                <a16:creationId xmlns:a16="http://schemas.microsoft.com/office/drawing/2014/main" id="{0F1572AE-5CC9-4B31-8612-C8DB99C4C04E}"/>
+                <a16:creationId xmlns="" xmlns:a16="http://schemas.microsoft.com/office/drawing/2014/main" id="{0F1572AE-5CC9-4B31-8612-C8DB99C4C04E}"/>
               </a:ext>
             </a:extLst>
           </p:cNvPr>
@@ -7913,10 +7916,10 @@
           <p:nvPr/>
         </p:nvPicPr>
         <p:blipFill>
-          <a:blip r:embed="rId2">
+          <a:blip r:embed="rId2" cstate="print">
             <a:extLst>
               <a:ext uri="{28A0092B-C50C-407E-A947-70E740481C1C}">
-                <a14:useLocalDpi xmlns:a14="http://schemas.microsoft.com/office/drawing/2010/main" val="0"/>
+                <a14:useLocalDpi xmlns="" xmlns:a14="http://schemas.microsoft.com/office/drawing/2010/main" val="0"/>
               </a:ext>
             </a:extLst>
           </a:blip>
@@ -7939,7 +7942,7 @@
           <p:cNvPr id="4" name="TextBox 3">
             <a:extLst>
               <a:ext uri="{FF2B5EF4-FFF2-40B4-BE49-F238E27FC236}">
-                <a16:creationId xmlns:a16="http://schemas.microsoft.com/office/drawing/2014/main" id="{F7253E62-E15E-43B1-80AF-186BEEB9F65A}"/>
+                <a16:creationId xmlns="" xmlns:a16="http://schemas.microsoft.com/office/drawing/2014/main" id="{F7253E62-E15E-43B1-80AF-186BEEB9F65A}"/>
               </a:ext>
             </a:extLst>
           </p:cNvPr>
@@ -7986,7 +7989,7 @@
           <p:cNvPr id="5" name="TextBox 4">
             <a:extLst>
               <a:ext uri="{FF2B5EF4-FFF2-40B4-BE49-F238E27FC236}">
-                <a16:creationId xmlns:a16="http://schemas.microsoft.com/office/drawing/2014/main" id="{9C8A159F-5AE4-4FEF-A3C9-68D123AE8F61}"/>
+                <a16:creationId xmlns="" xmlns:a16="http://schemas.microsoft.com/office/drawing/2014/main" id="{9C8A159F-5AE4-4FEF-A3C9-68D123AE8F61}"/>
               </a:ext>
             </a:extLst>
           </p:cNvPr>
@@ -8020,7 +8023,7 @@
     </p:spTree>
     <p:extLst>
       <p:ext uri="{BB962C8B-B14F-4D97-AF65-F5344CB8AC3E}">
-        <p14:creationId xmlns:p14="http://schemas.microsoft.com/office/powerpoint/2010/main" val="3571913051"/>
+        <p14:creationId xmlns="" xmlns:p14="http://schemas.microsoft.com/office/powerpoint/2010/main" val="3571913051"/>
       </p:ext>
     </p:extLst>
   </p:cSld>
@@ -8052,7 +8055,7 @@
           <p:cNvPr id="3" name="Picture 2">
             <a:extLst>
               <a:ext uri="{FF2B5EF4-FFF2-40B4-BE49-F238E27FC236}">
-                <a16:creationId xmlns:a16="http://schemas.microsoft.com/office/drawing/2014/main" id="{36270BB3-2622-4BD2-8A0F-25E0DD0A10B2}"/>
+                <a16:creationId xmlns="" xmlns:a16="http://schemas.microsoft.com/office/drawing/2014/main" id="{36270BB3-2622-4BD2-8A0F-25E0DD0A10B2}"/>
               </a:ext>
             </a:extLst>
           </p:cNvPr>
@@ -8062,10 +8065,10 @@
           <p:nvPr/>
         </p:nvPicPr>
         <p:blipFill>
-          <a:blip r:embed="rId2">
+          <a:blip r:embed="rId2" cstate="print">
             <a:extLst>
               <a:ext uri="{28A0092B-C50C-407E-A947-70E740481C1C}">
-                <a14:useLocalDpi xmlns:a14="http://schemas.microsoft.com/office/drawing/2010/main" val="0"/>
+                <a14:useLocalDpi xmlns="" xmlns:a14="http://schemas.microsoft.com/office/drawing/2010/main" val="0"/>
               </a:ext>
             </a:extLst>
           </a:blip>
@@ -8088,7 +8091,7 @@
           <p:cNvPr id="4" name="TextBox 3">
             <a:extLst>
               <a:ext uri="{FF2B5EF4-FFF2-40B4-BE49-F238E27FC236}">
-                <a16:creationId xmlns:a16="http://schemas.microsoft.com/office/drawing/2014/main" id="{635FD6AF-2B15-4F8F-99BF-4F882455B2A3}"/>
+                <a16:creationId xmlns="" xmlns:a16="http://schemas.microsoft.com/office/drawing/2014/main" id="{635FD6AF-2B15-4F8F-99BF-4F882455B2A3}"/>
               </a:ext>
             </a:extLst>
           </p:cNvPr>
@@ -8122,7 +8125,7 @@
     </p:spTree>
     <p:extLst>
       <p:ext uri="{BB962C8B-B14F-4D97-AF65-F5344CB8AC3E}">
-        <p14:creationId xmlns:p14="http://schemas.microsoft.com/office/powerpoint/2010/main" val="1065549631"/>
+        <p14:creationId xmlns="" xmlns:p14="http://schemas.microsoft.com/office/powerpoint/2010/main" val="1065549631"/>
       </p:ext>
     </p:extLst>
   </p:cSld>
@@ -8154,7 +8157,7 @@
           <p:cNvPr id="3" name="Picture 2">
             <a:extLst>
               <a:ext uri="{FF2B5EF4-FFF2-40B4-BE49-F238E27FC236}">
-                <a16:creationId xmlns:a16="http://schemas.microsoft.com/office/drawing/2014/main" id="{A1926A20-1A49-4C67-9376-FEC88F4C5906}"/>
+                <a16:creationId xmlns="" xmlns:a16="http://schemas.microsoft.com/office/drawing/2014/main" id="{A1926A20-1A49-4C67-9376-FEC88F4C5906}"/>
               </a:ext>
             </a:extLst>
           </p:cNvPr>
@@ -8164,10 +8167,10 @@
           <p:nvPr/>
         </p:nvPicPr>
         <p:blipFill>
-          <a:blip r:embed="rId2">
+          <a:blip r:embed="rId2" cstate="print">
             <a:extLst>
               <a:ext uri="{28A0092B-C50C-407E-A947-70E740481C1C}">
-                <a14:useLocalDpi xmlns:a14="http://schemas.microsoft.com/office/drawing/2010/main" val="0"/>
+                <a14:useLocalDpi xmlns="" xmlns:a14="http://schemas.microsoft.com/office/drawing/2010/main" val="0"/>
               </a:ext>
             </a:extLst>
           </a:blip>
@@ -8190,7 +8193,7 @@
           <p:cNvPr id="4" name="TextBox 3">
             <a:extLst>
               <a:ext uri="{FF2B5EF4-FFF2-40B4-BE49-F238E27FC236}">
-                <a16:creationId xmlns:a16="http://schemas.microsoft.com/office/drawing/2014/main" id="{303D7E02-D3D8-4AFE-86AB-E9DEC06265EE}"/>
+                <a16:creationId xmlns="" xmlns:a16="http://schemas.microsoft.com/office/drawing/2014/main" id="{303D7E02-D3D8-4AFE-86AB-E9DEC06265EE}"/>
               </a:ext>
             </a:extLst>
           </p:cNvPr>
@@ -8224,7 +8227,7 @@
     </p:spTree>
     <p:extLst>
       <p:ext uri="{BB962C8B-B14F-4D97-AF65-F5344CB8AC3E}">
-        <p14:creationId xmlns:p14="http://schemas.microsoft.com/office/powerpoint/2010/main" val="129863468"/>
+        <p14:creationId xmlns="" xmlns:p14="http://schemas.microsoft.com/office/powerpoint/2010/main" val="129863468"/>
       </p:ext>
     </p:extLst>
   </p:cSld>
@@ -8256,7 +8259,7 @@
           <p:cNvPr id="3" name="Picture 2">
             <a:extLst>
               <a:ext uri="{FF2B5EF4-FFF2-40B4-BE49-F238E27FC236}">
-                <a16:creationId xmlns:a16="http://schemas.microsoft.com/office/drawing/2014/main" id="{C0EDF3CD-721B-41F2-8E13-137832E9B482}"/>
+                <a16:creationId xmlns="" xmlns:a16="http://schemas.microsoft.com/office/drawing/2014/main" id="{C0EDF3CD-721B-41F2-8E13-137832E9B482}"/>
               </a:ext>
             </a:extLst>
           </p:cNvPr>
@@ -8266,10 +8269,10 @@
           <p:nvPr/>
         </p:nvPicPr>
         <p:blipFill>
-          <a:blip r:embed="rId2">
+          <a:blip r:embed="rId2" cstate="print">
             <a:extLst>
               <a:ext uri="{28A0092B-C50C-407E-A947-70E740481C1C}">
-                <a14:useLocalDpi xmlns:a14="http://schemas.microsoft.com/office/drawing/2010/main" val="0"/>
+                <a14:useLocalDpi xmlns="" xmlns:a14="http://schemas.microsoft.com/office/drawing/2010/main" val="0"/>
               </a:ext>
             </a:extLst>
           </a:blip>
@@ -8292,7 +8295,7 @@
           <p:cNvPr id="4" name="TextBox 3">
             <a:extLst>
               <a:ext uri="{FF2B5EF4-FFF2-40B4-BE49-F238E27FC236}">
-                <a16:creationId xmlns:a16="http://schemas.microsoft.com/office/drawing/2014/main" id="{E306F48D-D120-462D-B652-A56FE1B966B7}"/>
+                <a16:creationId xmlns="" xmlns:a16="http://schemas.microsoft.com/office/drawing/2014/main" id="{E306F48D-D120-462D-B652-A56FE1B966B7}"/>
               </a:ext>
             </a:extLst>
           </p:cNvPr>
@@ -8326,7 +8329,7 @@
     </p:spTree>
     <p:extLst>
       <p:ext uri="{BB962C8B-B14F-4D97-AF65-F5344CB8AC3E}">
-        <p14:creationId xmlns:p14="http://schemas.microsoft.com/office/powerpoint/2010/main" val="1109713795"/>
+        <p14:creationId xmlns="" xmlns:p14="http://schemas.microsoft.com/office/powerpoint/2010/main" val="1109713795"/>
       </p:ext>
     </p:extLst>
   </p:cSld>
@@ -8358,7 +8361,7 @@
           <p:cNvPr id="3" name="Picture 2">
             <a:extLst>
               <a:ext uri="{FF2B5EF4-FFF2-40B4-BE49-F238E27FC236}">
-                <a16:creationId xmlns:a16="http://schemas.microsoft.com/office/drawing/2014/main" id="{88BC1A36-32A5-4F9A-BA0A-7AC36253B73B}"/>
+                <a16:creationId xmlns="" xmlns:a16="http://schemas.microsoft.com/office/drawing/2014/main" id="{88BC1A36-32A5-4F9A-BA0A-7AC36253B73B}"/>
               </a:ext>
             </a:extLst>
           </p:cNvPr>
@@ -8368,10 +8371,10 @@
           <p:nvPr/>
         </p:nvPicPr>
         <p:blipFill>
-          <a:blip r:embed="rId2">
+          <a:blip r:embed="rId2" cstate="print">
             <a:extLst>
               <a:ext uri="{28A0092B-C50C-407E-A947-70E740481C1C}">
-                <a14:useLocalDpi xmlns:a14="http://schemas.microsoft.com/office/drawing/2010/main" val="0"/>
+                <a14:useLocalDpi xmlns="" xmlns:a14="http://schemas.microsoft.com/office/drawing/2010/main" val="0"/>
               </a:ext>
             </a:extLst>
           </a:blip>
@@ -8394,7 +8397,7 @@
           <p:cNvPr id="4" name="TextBox 3">
             <a:extLst>
               <a:ext uri="{FF2B5EF4-FFF2-40B4-BE49-F238E27FC236}">
-                <a16:creationId xmlns:a16="http://schemas.microsoft.com/office/drawing/2014/main" id="{AD8B776B-D68C-40F5-B1C4-C88A06C147C9}"/>
+                <a16:creationId xmlns="" xmlns:a16="http://schemas.microsoft.com/office/drawing/2014/main" id="{AD8B776B-D68C-40F5-B1C4-C88A06C147C9}"/>
               </a:ext>
             </a:extLst>
           </p:cNvPr>
@@ -8428,7 +8431,7 @@
     </p:spTree>
     <p:extLst>
       <p:ext uri="{BB962C8B-B14F-4D97-AF65-F5344CB8AC3E}">
-        <p14:creationId xmlns:p14="http://schemas.microsoft.com/office/powerpoint/2010/main" val="4199485710"/>
+        <p14:creationId xmlns="" xmlns:p14="http://schemas.microsoft.com/office/powerpoint/2010/main" val="4199485710"/>
       </p:ext>
     </p:extLst>
   </p:cSld>
@@ -8460,7 +8463,7 @@
           <p:cNvPr id="3" name="Picture 2">
             <a:extLst>
               <a:ext uri="{FF2B5EF4-FFF2-40B4-BE49-F238E27FC236}">
-                <a16:creationId xmlns:a16="http://schemas.microsoft.com/office/drawing/2014/main" id="{5D0112E7-68AD-4065-8342-740E4E1CD048}"/>
+                <a16:creationId xmlns="" xmlns:a16="http://schemas.microsoft.com/office/drawing/2014/main" id="{5D0112E7-68AD-4065-8342-740E4E1CD048}"/>
               </a:ext>
             </a:extLst>
           </p:cNvPr>
@@ -8470,10 +8473,10 @@
           <p:nvPr/>
         </p:nvPicPr>
         <p:blipFill>
-          <a:blip r:embed="rId2">
+          <a:blip r:embed="rId2" cstate="print">
             <a:extLst>
               <a:ext uri="{28A0092B-C50C-407E-A947-70E740481C1C}">
-                <a14:useLocalDpi xmlns:a14="http://schemas.microsoft.com/office/drawing/2010/main" val="0"/>
+                <a14:useLocalDpi xmlns="" xmlns:a14="http://schemas.microsoft.com/office/drawing/2010/main" val="0"/>
               </a:ext>
             </a:extLst>
           </a:blip>
@@ -8496,7 +8499,7 @@
           <p:cNvPr id="4" name="TextBox 3">
             <a:extLst>
               <a:ext uri="{FF2B5EF4-FFF2-40B4-BE49-F238E27FC236}">
-                <a16:creationId xmlns:a16="http://schemas.microsoft.com/office/drawing/2014/main" id="{00B1B6E8-3C86-46CB-9CD4-27680607702F}"/>
+                <a16:creationId xmlns="" xmlns:a16="http://schemas.microsoft.com/office/drawing/2014/main" id="{00B1B6E8-3C86-46CB-9CD4-27680607702F}"/>
               </a:ext>
             </a:extLst>
           </p:cNvPr>
@@ -8530,7 +8533,7 @@
     </p:spTree>
     <p:extLst>
       <p:ext uri="{BB962C8B-B14F-4D97-AF65-F5344CB8AC3E}">
-        <p14:creationId xmlns:p14="http://schemas.microsoft.com/office/powerpoint/2010/main" val="2317918205"/>
+        <p14:creationId xmlns="" xmlns:p14="http://schemas.microsoft.com/office/powerpoint/2010/main" val="2317918205"/>
       </p:ext>
     </p:extLst>
   </p:cSld>
@@ -8562,7 +8565,7 @@
           <p:cNvPr id="3" name="Picture 2">
             <a:extLst>
               <a:ext uri="{FF2B5EF4-FFF2-40B4-BE49-F238E27FC236}">
-                <a16:creationId xmlns:a16="http://schemas.microsoft.com/office/drawing/2014/main" id="{6F4EE7FD-C6F1-4EDD-9CE3-53F8E28CA70D}"/>
+                <a16:creationId xmlns="" xmlns:a16="http://schemas.microsoft.com/office/drawing/2014/main" id="{6F4EE7FD-C6F1-4EDD-9CE3-53F8E28CA70D}"/>
               </a:ext>
             </a:extLst>
           </p:cNvPr>
@@ -8572,10 +8575,10 @@
           <p:nvPr/>
         </p:nvPicPr>
         <p:blipFill>
-          <a:blip r:embed="rId2">
+          <a:blip r:embed="rId2" cstate="print">
             <a:extLst>
               <a:ext uri="{28A0092B-C50C-407E-A947-70E740481C1C}">
-                <a14:useLocalDpi xmlns:a14="http://schemas.microsoft.com/office/drawing/2010/main" val="0"/>
+                <a14:useLocalDpi xmlns="" xmlns:a14="http://schemas.microsoft.com/office/drawing/2010/main" val="0"/>
               </a:ext>
             </a:extLst>
           </a:blip>
@@ -8598,7 +8601,7 @@
           <p:cNvPr id="4" name="TextBox 3">
             <a:extLst>
               <a:ext uri="{FF2B5EF4-FFF2-40B4-BE49-F238E27FC236}">
-                <a16:creationId xmlns:a16="http://schemas.microsoft.com/office/drawing/2014/main" id="{4FF0D6BF-B0CA-4944-95E7-3B5508D8EE11}"/>
+                <a16:creationId xmlns="" xmlns:a16="http://schemas.microsoft.com/office/drawing/2014/main" id="{4FF0D6BF-B0CA-4944-95E7-3B5508D8EE11}"/>
               </a:ext>
             </a:extLst>
           </p:cNvPr>
@@ -8632,7 +8635,7 @@
     </p:spTree>
     <p:extLst>
       <p:ext uri="{BB962C8B-B14F-4D97-AF65-F5344CB8AC3E}">
-        <p14:creationId xmlns:p14="http://schemas.microsoft.com/office/powerpoint/2010/main" val="530601255"/>
+        <p14:creationId xmlns="" xmlns:p14="http://schemas.microsoft.com/office/powerpoint/2010/main" val="530601255"/>
       </p:ext>
     </p:extLst>
   </p:cSld>
@@ -8664,7 +8667,7 @@
           <p:cNvPr id="5" name="Title 4">
             <a:extLst>
               <a:ext uri="{FF2B5EF4-FFF2-40B4-BE49-F238E27FC236}">
-                <a16:creationId xmlns:a16="http://schemas.microsoft.com/office/drawing/2014/main" id="{AF5A2BDD-B148-4F27-8921-CB48343D26A4}"/>
+                <a16:creationId xmlns="" xmlns:a16="http://schemas.microsoft.com/office/drawing/2014/main" id="{AF5A2BDD-B148-4F27-8921-CB48343D26A4}"/>
               </a:ext>
             </a:extLst>
           </p:cNvPr>
@@ -8693,7 +8696,7 @@
           <p:cNvPr id="6" name="Content Placeholder 5">
             <a:extLst>
               <a:ext uri="{FF2B5EF4-FFF2-40B4-BE49-F238E27FC236}">
-                <a16:creationId xmlns:a16="http://schemas.microsoft.com/office/drawing/2014/main" id="{DA1664A8-3DF3-41F7-BBFA-9727344715BF}"/>
+                <a16:creationId xmlns="" xmlns:a16="http://schemas.microsoft.com/office/drawing/2014/main" id="{DA1664A8-3DF3-41F7-BBFA-9727344715BF}"/>
               </a:ext>
             </a:extLst>
           </p:cNvPr>
@@ -8752,7 +8755,7 @@
     </p:spTree>
     <p:extLst>
       <p:ext uri="{BB962C8B-B14F-4D97-AF65-F5344CB8AC3E}">
-        <p14:creationId xmlns:p14="http://schemas.microsoft.com/office/powerpoint/2010/main" val="2036609944"/>
+        <p14:creationId xmlns="" xmlns:p14="http://schemas.microsoft.com/office/powerpoint/2010/main" val="2036609944"/>
       </p:ext>
     </p:extLst>
   </p:cSld>
@@ -8784,7 +8787,7 @@
           <p:cNvPr id="3" name="Picture 2">
             <a:extLst>
               <a:ext uri="{FF2B5EF4-FFF2-40B4-BE49-F238E27FC236}">
-                <a16:creationId xmlns:a16="http://schemas.microsoft.com/office/drawing/2014/main" id="{B4597B37-1E1D-4F51-BED3-998B743D8DBB}"/>
+                <a16:creationId xmlns="" xmlns:a16="http://schemas.microsoft.com/office/drawing/2014/main" id="{B4597B37-1E1D-4F51-BED3-998B743D8DBB}"/>
               </a:ext>
             </a:extLst>
           </p:cNvPr>
@@ -8794,10 +8797,10 @@
           <p:nvPr/>
         </p:nvPicPr>
         <p:blipFill>
-          <a:blip r:embed="rId2">
+          <a:blip r:embed="rId2" cstate="print">
             <a:extLst>
               <a:ext uri="{28A0092B-C50C-407E-A947-70E740481C1C}">
-                <a14:useLocalDpi xmlns:a14="http://schemas.microsoft.com/office/drawing/2010/main" val="0"/>
+                <a14:useLocalDpi xmlns="" xmlns:a14="http://schemas.microsoft.com/office/drawing/2010/main" val="0"/>
               </a:ext>
             </a:extLst>
           </a:blip>
@@ -8820,7 +8823,7 @@
           <p:cNvPr id="4" name="TextBox 3">
             <a:extLst>
               <a:ext uri="{FF2B5EF4-FFF2-40B4-BE49-F238E27FC236}">
-                <a16:creationId xmlns:a16="http://schemas.microsoft.com/office/drawing/2014/main" id="{61D958A2-4061-4DD1-920E-47BF252980C0}"/>
+                <a16:creationId xmlns="" xmlns:a16="http://schemas.microsoft.com/office/drawing/2014/main" id="{61D958A2-4061-4DD1-920E-47BF252980C0}"/>
               </a:ext>
             </a:extLst>
           </p:cNvPr>
@@ -8854,7 +8857,7 @@
     </p:spTree>
     <p:extLst>
       <p:ext uri="{BB962C8B-B14F-4D97-AF65-F5344CB8AC3E}">
-        <p14:creationId xmlns:p14="http://schemas.microsoft.com/office/powerpoint/2010/main" val="2590233953"/>
+        <p14:creationId xmlns="" xmlns:p14="http://schemas.microsoft.com/office/powerpoint/2010/main" val="2590233953"/>
       </p:ext>
     </p:extLst>
   </p:cSld>
@@ -8886,7 +8889,7 @@
           <p:cNvPr id="3" name="Picture 2">
             <a:extLst>
               <a:ext uri="{FF2B5EF4-FFF2-40B4-BE49-F238E27FC236}">
-                <a16:creationId xmlns:a16="http://schemas.microsoft.com/office/drawing/2014/main" id="{F523D1F8-317E-45F8-A22F-164429C7E8E4}"/>
+                <a16:creationId xmlns="" xmlns:a16="http://schemas.microsoft.com/office/drawing/2014/main" id="{F523D1F8-317E-45F8-A22F-164429C7E8E4}"/>
               </a:ext>
             </a:extLst>
           </p:cNvPr>
@@ -8896,10 +8899,10 @@
           <p:nvPr/>
         </p:nvPicPr>
         <p:blipFill>
-          <a:blip r:embed="rId2">
+          <a:blip r:embed="rId2" cstate="print">
             <a:extLst>
               <a:ext uri="{28A0092B-C50C-407E-A947-70E740481C1C}">
-                <a14:useLocalDpi xmlns:a14="http://schemas.microsoft.com/office/drawing/2010/main" val="0"/>
+                <a14:useLocalDpi xmlns="" xmlns:a14="http://schemas.microsoft.com/office/drawing/2010/main" val="0"/>
               </a:ext>
             </a:extLst>
           </a:blip>
@@ -8922,7 +8925,7 @@
           <p:cNvPr id="4" name="TextBox 3">
             <a:extLst>
               <a:ext uri="{FF2B5EF4-FFF2-40B4-BE49-F238E27FC236}">
-                <a16:creationId xmlns:a16="http://schemas.microsoft.com/office/drawing/2014/main" id="{238CEDA7-343D-411D-B77F-4C745F6A999C}"/>
+                <a16:creationId xmlns="" xmlns:a16="http://schemas.microsoft.com/office/drawing/2014/main" id="{238CEDA7-343D-411D-B77F-4C745F6A999C}"/>
               </a:ext>
             </a:extLst>
           </p:cNvPr>
@@ -8956,7 +8959,7 @@
     </p:spTree>
     <p:extLst>
       <p:ext uri="{BB962C8B-B14F-4D97-AF65-F5344CB8AC3E}">
-        <p14:creationId xmlns:p14="http://schemas.microsoft.com/office/powerpoint/2010/main" val="2670188740"/>
+        <p14:creationId xmlns="" xmlns:p14="http://schemas.microsoft.com/office/powerpoint/2010/main" val="2670188740"/>
       </p:ext>
     </p:extLst>
   </p:cSld>
@@ -8988,7 +8991,7 @@
           <p:cNvPr id="3" name="Picture 2">
             <a:extLst>
               <a:ext uri="{FF2B5EF4-FFF2-40B4-BE49-F238E27FC236}">
-                <a16:creationId xmlns:a16="http://schemas.microsoft.com/office/drawing/2014/main" id="{9463ED2E-649B-4FF3-BCB0-3C5193C622A3}"/>
+                <a16:creationId xmlns="" xmlns:a16="http://schemas.microsoft.com/office/drawing/2014/main" id="{9463ED2E-649B-4FF3-BCB0-3C5193C622A3}"/>
               </a:ext>
             </a:extLst>
           </p:cNvPr>
@@ -8998,10 +9001,10 @@
           <p:nvPr/>
         </p:nvPicPr>
         <p:blipFill>
-          <a:blip r:embed="rId2">
+          <a:blip r:embed="rId2" cstate="print">
             <a:extLst>
               <a:ext uri="{28A0092B-C50C-407E-A947-70E740481C1C}">
-                <a14:useLocalDpi xmlns:a14="http://schemas.microsoft.com/office/drawing/2010/main" val="0"/>
+                <a14:useLocalDpi xmlns="" xmlns:a14="http://schemas.microsoft.com/office/drawing/2010/main" val="0"/>
               </a:ext>
             </a:extLst>
           </a:blip>
@@ -9024,7 +9027,7 @@
           <p:cNvPr id="4" name="TextBox 3">
             <a:extLst>
               <a:ext uri="{FF2B5EF4-FFF2-40B4-BE49-F238E27FC236}">
-                <a16:creationId xmlns:a16="http://schemas.microsoft.com/office/drawing/2014/main" id="{9A785673-2440-45B1-879F-847D12CF1171}"/>
+                <a16:creationId xmlns="" xmlns:a16="http://schemas.microsoft.com/office/drawing/2014/main" id="{9A785673-2440-45B1-879F-847D12CF1171}"/>
               </a:ext>
             </a:extLst>
           </p:cNvPr>
@@ -9058,7 +9061,7 @@
     </p:spTree>
     <p:extLst>
       <p:ext uri="{BB962C8B-B14F-4D97-AF65-F5344CB8AC3E}">
-        <p14:creationId xmlns:p14="http://schemas.microsoft.com/office/powerpoint/2010/main" val="2738708463"/>
+        <p14:creationId xmlns="" xmlns:p14="http://schemas.microsoft.com/office/powerpoint/2010/main" val="2738708463"/>
       </p:ext>
     </p:extLst>
   </p:cSld>
@@ -9090,7 +9093,7 @@
           <p:cNvPr id="3" name="Picture 2">
             <a:extLst>
               <a:ext uri="{FF2B5EF4-FFF2-40B4-BE49-F238E27FC236}">
-                <a16:creationId xmlns:a16="http://schemas.microsoft.com/office/drawing/2014/main" id="{AE864247-110C-44E6-9A04-07B9FBF9742F}"/>
+                <a16:creationId xmlns="" xmlns:a16="http://schemas.microsoft.com/office/drawing/2014/main" id="{AE864247-110C-44E6-9A04-07B9FBF9742F}"/>
               </a:ext>
             </a:extLst>
           </p:cNvPr>
@@ -9100,10 +9103,10 @@
           <p:nvPr/>
         </p:nvPicPr>
         <p:blipFill rotWithShape="1">
-          <a:blip r:embed="rId2">
+          <a:blip r:embed="rId2" cstate="print">
             <a:extLst>
               <a:ext uri="{28A0092B-C50C-407E-A947-70E740481C1C}">
-                <a14:useLocalDpi xmlns:a14="http://schemas.microsoft.com/office/drawing/2010/main" val="0"/>
+                <a14:useLocalDpi xmlns="" xmlns:a14="http://schemas.microsoft.com/office/drawing/2010/main" val="0"/>
               </a:ext>
             </a:extLst>
           </a:blip>
@@ -9125,7 +9128,7 @@
           <p:cNvPr id="4" name="TextBox 3">
             <a:extLst>
               <a:ext uri="{FF2B5EF4-FFF2-40B4-BE49-F238E27FC236}">
-                <a16:creationId xmlns:a16="http://schemas.microsoft.com/office/drawing/2014/main" id="{A133B602-70D7-4616-965C-C087D5C5E5FA}"/>
+                <a16:creationId xmlns="" xmlns:a16="http://schemas.microsoft.com/office/drawing/2014/main" id="{A133B602-70D7-4616-965C-C087D5C5E5FA}"/>
               </a:ext>
             </a:extLst>
           </p:cNvPr>
@@ -9165,7 +9168,7 @@
     </p:spTree>
     <p:extLst>
       <p:ext uri="{BB962C8B-B14F-4D97-AF65-F5344CB8AC3E}">
-        <p14:creationId xmlns:p14="http://schemas.microsoft.com/office/powerpoint/2010/main" val="4180214495"/>
+        <p14:creationId xmlns="" xmlns:p14="http://schemas.microsoft.com/office/powerpoint/2010/main" val="4180214495"/>
       </p:ext>
     </p:extLst>
   </p:cSld>
@@ -9197,7 +9200,7 @@
           <p:cNvPr id="3" name="Picture 2">
             <a:extLst>
               <a:ext uri="{FF2B5EF4-FFF2-40B4-BE49-F238E27FC236}">
-                <a16:creationId xmlns:a16="http://schemas.microsoft.com/office/drawing/2014/main" id="{975900C6-19CB-4B29-8C0E-6F0C37A907FE}"/>
+                <a16:creationId xmlns="" xmlns:a16="http://schemas.microsoft.com/office/drawing/2014/main" id="{975900C6-19CB-4B29-8C0E-6F0C37A907FE}"/>
               </a:ext>
             </a:extLst>
           </p:cNvPr>
@@ -9207,10 +9210,10 @@
           <p:nvPr/>
         </p:nvPicPr>
         <p:blipFill rotWithShape="1">
-          <a:blip r:embed="rId2">
+          <a:blip r:embed="rId2" cstate="print">
             <a:extLst>
               <a:ext uri="{28A0092B-C50C-407E-A947-70E740481C1C}">
-                <a14:useLocalDpi xmlns:a14="http://schemas.microsoft.com/office/drawing/2010/main" val="0"/>
+                <a14:useLocalDpi xmlns="" xmlns:a14="http://schemas.microsoft.com/office/drawing/2010/main" val="0"/>
               </a:ext>
             </a:extLst>
           </a:blip>
@@ -9232,7 +9235,7 @@
           <p:cNvPr id="4" name="TextBox 3">
             <a:extLst>
               <a:ext uri="{FF2B5EF4-FFF2-40B4-BE49-F238E27FC236}">
-                <a16:creationId xmlns:a16="http://schemas.microsoft.com/office/drawing/2014/main" id="{C872C121-4C13-49BF-BE79-FC1CB29BE688}"/>
+                <a16:creationId xmlns="" xmlns:a16="http://schemas.microsoft.com/office/drawing/2014/main" id="{C872C121-4C13-49BF-BE79-FC1CB29BE688}"/>
               </a:ext>
             </a:extLst>
           </p:cNvPr>
@@ -9278,7 +9281,7 @@
     </p:spTree>
     <p:extLst>
       <p:ext uri="{BB962C8B-B14F-4D97-AF65-F5344CB8AC3E}">
-        <p14:creationId xmlns:p14="http://schemas.microsoft.com/office/powerpoint/2010/main" val="2168042213"/>
+        <p14:creationId xmlns="" xmlns:p14="http://schemas.microsoft.com/office/powerpoint/2010/main" val="2168042213"/>
       </p:ext>
     </p:extLst>
   </p:cSld>
@@ -9310,7 +9313,7 @@
           <p:cNvPr id="3" name="Picture 2">
             <a:extLst>
               <a:ext uri="{FF2B5EF4-FFF2-40B4-BE49-F238E27FC236}">
-                <a16:creationId xmlns:a16="http://schemas.microsoft.com/office/drawing/2014/main" id="{680EAFFA-FE21-4C60-8CD7-8F8BF7EE7664}"/>
+                <a16:creationId xmlns="" xmlns:a16="http://schemas.microsoft.com/office/drawing/2014/main" id="{680EAFFA-FE21-4C60-8CD7-8F8BF7EE7664}"/>
               </a:ext>
             </a:extLst>
           </p:cNvPr>
@@ -9320,10 +9323,10 @@
           <p:nvPr/>
         </p:nvPicPr>
         <p:blipFill rotWithShape="1">
-          <a:blip r:embed="rId2">
+          <a:blip r:embed="rId2" cstate="print">
             <a:extLst>
               <a:ext uri="{28A0092B-C50C-407E-A947-70E740481C1C}">
-                <a14:useLocalDpi xmlns:a14="http://schemas.microsoft.com/office/drawing/2010/main" val="0"/>
+                <a14:useLocalDpi xmlns="" xmlns:a14="http://schemas.microsoft.com/office/drawing/2010/main" val="0"/>
               </a:ext>
             </a:extLst>
           </a:blip>
@@ -9345,7 +9348,7 @@
           <p:cNvPr id="4" name="TextBox 3">
             <a:extLst>
               <a:ext uri="{FF2B5EF4-FFF2-40B4-BE49-F238E27FC236}">
-                <a16:creationId xmlns:a16="http://schemas.microsoft.com/office/drawing/2014/main" id="{F4014702-6B5E-4890-AFAE-10D9A1522451}"/>
+                <a16:creationId xmlns="" xmlns:a16="http://schemas.microsoft.com/office/drawing/2014/main" id="{F4014702-6B5E-4890-AFAE-10D9A1522451}"/>
               </a:ext>
             </a:extLst>
           </p:cNvPr>
@@ -9385,7 +9388,7 @@
     </p:spTree>
     <p:extLst>
       <p:ext uri="{BB962C8B-B14F-4D97-AF65-F5344CB8AC3E}">
-        <p14:creationId xmlns:p14="http://schemas.microsoft.com/office/powerpoint/2010/main" val="2740790293"/>
+        <p14:creationId xmlns="" xmlns:p14="http://schemas.microsoft.com/office/powerpoint/2010/main" val="2740790293"/>
       </p:ext>
     </p:extLst>
   </p:cSld>
@@ -9417,7 +9420,7 @@
           <p:cNvPr id="3" name="Picture 2">
             <a:extLst>
               <a:ext uri="{FF2B5EF4-FFF2-40B4-BE49-F238E27FC236}">
-                <a16:creationId xmlns:a16="http://schemas.microsoft.com/office/drawing/2014/main" id="{2162B2B5-6D94-40EA-B3DE-8601BAF3E10E}"/>
+                <a16:creationId xmlns="" xmlns:a16="http://schemas.microsoft.com/office/drawing/2014/main" id="{2162B2B5-6D94-40EA-B3DE-8601BAF3E10E}"/>
               </a:ext>
             </a:extLst>
           </p:cNvPr>
@@ -9427,10 +9430,10 @@
           <p:nvPr/>
         </p:nvPicPr>
         <p:blipFill rotWithShape="1">
-          <a:blip r:embed="rId2">
+          <a:blip r:embed="rId2" cstate="print">
             <a:extLst>
               <a:ext uri="{28A0092B-C50C-407E-A947-70E740481C1C}">
-                <a14:useLocalDpi xmlns:a14="http://schemas.microsoft.com/office/drawing/2010/main" val="0"/>
+                <a14:useLocalDpi xmlns="" xmlns:a14="http://schemas.microsoft.com/office/drawing/2010/main" val="0"/>
               </a:ext>
             </a:extLst>
           </a:blip>
@@ -9452,7 +9455,7 @@
           <p:cNvPr id="4" name="TextBox 3">
             <a:extLst>
               <a:ext uri="{FF2B5EF4-FFF2-40B4-BE49-F238E27FC236}">
-                <a16:creationId xmlns:a16="http://schemas.microsoft.com/office/drawing/2014/main" id="{5CF95422-99C0-40D8-B613-9A82048A86E3}"/>
+                <a16:creationId xmlns="" xmlns:a16="http://schemas.microsoft.com/office/drawing/2014/main" id="{5CF95422-99C0-40D8-B613-9A82048A86E3}"/>
               </a:ext>
             </a:extLst>
           </p:cNvPr>
@@ -9486,7 +9489,7 @@
     </p:spTree>
     <p:extLst>
       <p:ext uri="{BB962C8B-B14F-4D97-AF65-F5344CB8AC3E}">
-        <p14:creationId xmlns:p14="http://schemas.microsoft.com/office/powerpoint/2010/main" val="3045933539"/>
+        <p14:creationId xmlns="" xmlns:p14="http://schemas.microsoft.com/office/powerpoint/2010/main" val="3045933539"/>
       </p:ext>
     </p:extLst>
   </p:cSld>
@@ -9515,13 +9518,7 @@
       </p:grpSpPr>
       <p:sp>
         <p:nvSpPr>
-          <p:cNvPr id="5" name="Title 4">
-            <a:extLst>
-              <a:ext uri="{FF2B5EF4-FFF2-40B4-BE49-F238E27FC236}">
-                <a16:creationId xmlns:a16="http://schemas.microsoft.com/office/drawing/2014/main" id="{AF5A2BDD-B148-4F27-8921-CB48343D26A4}"/>
-              </a:ext>
-            </a:extLst>
-          </p:cNvPr>
+          <p:cNvPr id="2" name="Title 1"/>
           <p:cNvSpPr>
             <a:spLocks noGrp="1"/>
           </p:cNvSpPr>
@@ -9529,33 +9526,22 @@
             <p:ph type="title"/>
           </p:nvPr>
         </p:nvSpPr>
-        <p:spPr>
-          <a:xfrm>
-            <a:off x="838200" y="703565"/>
-            <a:ext cx="10515600" cy="776288"/>
-          </a:xfrm>
-        </p:spPr>
+        <p:spPr/>
         <p:txBody>
           <a:bodyPr/>
           <a:lstStyle/>
           <a:p>
             <a:r>
-              <a:rPr lang="en-US" dirty="0"/>
-              <a:t>REFERENCES</a:t>
-            </a:r>
-            <a:endParaRPr lang="en-GB" dirty="0"/>
+              <a:rPr lang="en-US" dirty="0" smtClean="0"/>
+              <a:t>CONCLUSION</a:t>
+            </a:r>
+            <a:endParaRPr lang="en-US" dirty="0"/>
           </a:p>
         </p:txBody>
       </p:sp>
       <p:sp>
         <p:nvSpPr>
-          <p:cNvPr id="6" name="Content Placeholder 5">
-            <a:extLst>
-              <a:ext uri="{FF2B5EF4-FFF2-40B4-BE49-F238E27FC236}">
-                <a16:creationId xmlns:a16="http://schemas.microsoft.com/office/drawing/2014/main" id="{DA1664A8-3DF3-41F7-BBFA-9727344715BF}"/>
-              </a:ext>
-            </a:extLst>
-          </p:cNvPr>
+          <p:cNvPr id="3" name="Content Placeholder 2"/>
           <p:cNvSpPr>
             <a:spLocks noGrp="1"/>
           </p:cNvSpPr>
@@ -9563,175 +9549,87 @@
             <p:ph idx="1"/>
           </p:nvPr>
         </p:nvSpPr>
-        <p:spPr>
-          <a:xfrm>
-            <a:off x="838199" y="1479853"/>
-            <a:ext cx="10898876" cy="4674582"/>
-          </a:xfrm>
-        </p:spPr>
+        <p:spPr/>
         <p:txBody>
-          <a:bodyPr>
-            <a:noAutofit/>
-          </a:bodyPr>
+          <a:bodyPr/>
           <a:lstStyle/>
           <a:p>
-            <a:pPr marL="900113" indent="-900113">
-              <a:lnSpc>
-                <a:spcPts val="3360"/>
-              </a:lnSpc>
-              <a:spcBef>
-                <a:spcPts val="0"/>
-              </a:spcBef>
-              <a:buNone/>
-            </a:pPr>
-            <a:r>
-              <a:rPr lang="en-GB" sz="2600" dirty="0"/>
-              <a:t>[1]	</a:t>
-            </a:r>
-            <a:r>
-              <a:rPr lang="en-GB" sz="2600" dirty="0" err="1"/>
-              <a:t>Rajib</a:t>
-            </a:r>
-            <a:r>
-              <a:rPr lang="en-GB" sz="2600" dirty="0"/>
-              <a:t> Mall, </a:t>
-            </a:r>
-            <a:r>
-              <a:rPr lang="en-GB" sz="2600" i="1" dirty="0"/>
-              <a:t>Fundamentals of Software Engineering</a:t>
-            </a:r>
-            <a:r>
-              <a:rPr lang="en-GB" sz="2600" dirty="0"/>
-              <a:t>, 2</a:t>
-            </a:r>
-            <a:r>
-              <a:rPr lang="en-GB" sz="2600" baseline="30000" dirty="0"/>
-              <a:t>nd</a:t>
-            </a:r>
-            <a:r>
-              <a:rPr lang="en-GB" sz="2600" dirty="0"/>
-              <a:t> ed., IN: PHI, 2003</a:t>
-            </a:r>
-          </a:p>
-          <a:p>
-            <a:pPr marL="900113" indent="-900113">
-              <a:lnSpc>
-                <a:spcPts val="3360"/>
-              </a:lnSpc>
-              <a:spcBef>
-                <a:spcPts val="0"/>
-              </a:spcBef>
-              <a:buNone/>
-            </a:pPr>
-            <a:r>
-              <a:rPr lang="en-GB" sz="2600" dirty="0"/>
-              <a:t>[2]	Pankaj </a:t>
-            </a:r>
-            <a:r>
-              <a:rPr lang="en-GB" sz="2600" dirty="0" err="1"/>
-              <a:t>Jalote</a:t>
-            </a:r>
-            <a:r>
-              <a:rPr lang="en-GB" sz="2600" dirty="0"/>
-              <a:t>, </a:t>
-            </a:r>
-            <a:r>
-              <a:rPr lang="en-GB" sz="2600" i="1" dirty="0"/>
-              <a:t>A Concise Introduction to Software Engineering, </a:t>
-            </a:r>
-            <a:r>
-              <a:rPr lang="en-GB" sz="2600" dirty="0"/>
-              <a:t>1</a:t>
-            </a:r>
-            <a:r>
-              <a:rPr lang="en-GB" sz="2600" baseline="30000" dirty="0"/>
-              <a:t>st </a:t>
-            </a:r>
-            <a:r>
-              <a:rPr lang="en-GB" sz="2600" dirty="0"/>
-              <a:t>ed., UK: Springer,  2008. [E-book] Available: Springer e-book</a:t>
-            </a:r>
-          </a:p>
-          <a:p>
-            <a:pPr marL="900113" indent="-900113">
-              <a:lnSpc>
-                <a:spcPts val="3360"/>
-              </a:lnSpc>
-              <a:spcBef>
-                <a:spcPts val="0"/>
-              </a:spcBef>
-              <a:buNone/>
-            </a:pPr>
-            <a:r>
-              <a:rPr lang="en-GB" sz="2600" dirty="0"/>
-              <a:t>[3]	</a:t>
-            </a:r>
-            <a:r>
-              <a:rPr lang="en-US" sz="2600" dirty="0"/>
-              <a:t>Barber L. (Mar 2006). e-Recruitment  Developments. Institute  for Employment  Studies,  Brighton. [Online] Available: </a:t>
-            </a:r>
-            <a:r>
-              <a:rPr lang="en-US" sz="2600" dirty="0">
-                <a:hlinkClick r:id="rId2"/>
-              </a:rPr>
-              <a:t>https://www.employment-studies.co.uk/resource/erecruitment-developments</a:t>
-            </a:r>
-            <a:endParaRPr lang="en-US" sz="2600" dirty="0"/>
-          </a:p>
-          <a:p>
-            <a:pPr marL="900113" indent="-900113">
-              <a:lnSpc>
-                <a:spcPts val="3360"/>
-              </a:lnSpc>
-              <a:spcBef>
-                <a:spcPts val="0"/>
-              </a:spcBef>
-              <a:buNone/>
-            </a:pPr>
-            <a:r>
-              <a:rPr lang="en-US" sz="2600" dirty="0"/>
-              <a:t>[4]	</a:t>
-            </a:r>
-            <a:r>
-              <a:rPr lang="en-US" sz="2600" dirty="0" err="1"/>
-              <a:t>Ranga</a:t>
-            </a:r>
-            <a:r>
-              <a:rPr lang="en-US" sz="2600" dirty="0"/>
-              <a:t> Karanam, </a:t>
-            </a:r>
-            <a:r>
-              <a:rPr lang="en-US" sz="2600" i="1" dirty="0"/>
-              <a:t>Creating a Web Application with Spring Boot</a:t>
-            </a:r>
-            <a:r>
-              <a:rPr lang="en-US" sz="2600" dirty="0"/>
-              <a:t>, </a:t>
-            </a:r>
-            <a:r>
-              <a:rPr lang="en-US" sz="2600" dirty="0" err="1"/>
-              <a:t>DZone</a:t>
-            </a:r>
-            <a:r>
-              <a:rPr lang="en-US" sz="2600" dirty="0"/>
-              <a:t>, Jun. 02, 2017. Accessed on: Jul. 08, 2020. [Online] Available: </a:t>
-            </a:r>
-            <a:r>
-              <a:rPr lang="en-US" sz="2600" dirty="0">
-                <a:hlinkClick r:id="rId3"/>
-              </a:rPr>
-              <a:t>https://dzone.com/articles/creating-a-web-application-with-spring-boot</a:t>
-            </a:r>
-            <a:endParaRPr lang="en-US" sz="2600" dirty="0"/>
+            <a:r>
+              <a:rPr lang="en-US" dirty="0" smtClean="0"/>
+              <a:t>This project provide </a:t>
+            </a:r>
+            <a:r>
+              <a:rPr lang="en-US" dirty="0" smtClean="0"/>
+              <a:t>us a </a:t>
+            </a:r>
+            <a:r>
+              <a:rPr lang="en-US" dirty="0" smtClean="0"/>
+              <a:t>practical knowledge about java </a:t>
+            </a:r>
+            <a:r>
+              <a:rPr lang="en-US" dirty="0" smtClean="0"/>
+              <a:t>enterprise </a:t>
+            </a:r>
+            <a:r>
+              <a:rPr lang="en-US" dirty="0" smtClean="0"/>
+              <a:t>web</a:t>
+            </a:r>
+            <a:r>
+              <a:rPr lang="en-US" dirty="0" smtClean="0"/>
+              <a:t> </a:t>
+            </a:r>
+            <a:r>
+              <a:rPr lang="en-US" dirty="0" smtClean="0"/>
+              <a:t>application </a:t>
+            </a:r>
+            <a:r>
+              <a:rPr lang="en-US" dirty="0" smtClean="0"/>
+              <a:t>development using spring boot and spring security framework , and </a:t>
+            </a:r>
+            <a:r>
+              <a:rPr lang="en-US" dirty="0" err="1" smtClean="0"/>
+              <a:t>MongoDB</a:t>
+            </a:r>
+            <a:r>
+              <a:rPr lang="en-US" dirty="0" smtClean="0"/>
+              <a:t> platform</a:t>
+            </a:r>
+            <a:r>
+              <a:rPr lang="en-US" dirty="0" smtClean="0"/>
+              <a:t>. </a:t>
+            </a:r>
+          </a:p>
+          <a:p>
+            <a:r>
+              <a:rPr lang="en-US" dirty="0" smtClean="0"/>
+              <a:t>This project offers simple and interactive forms , which helps users to access data through </a:t>
+            </a:r>
+            <a:r>
+              <a:rPr lang="en-US" smtClean="0"/>
+              <a:t>a simple </a:t>
+            </a:r>
+            <a:r>
+              <a:rPr lang="en-US" dirty="0" smtClean="0"/>
+              <a:t>process of registration.</a:t>
+            </a:r>
+            <a:endParaRPr lang="en-US" dirty="0" smtClean="0"/>
+          </a:p>
+          <a:p>
+            <a:r>
+              <a:rPr lang="en-US" dirty="0" smtClean="0"/>
+              <a:t>We were able to develop an efficient and commercially deployable system.</a:t>
+            </a:r>
+          </a:p>
+          <a:p>
+            <a:r>
+              <a:rPr lang="en-US" dirty="0" smtClean="0"/>
+              <a:t>Job aspirants , recruiters and colleges can take advantage of this web application as a excellent job board.</a:t>
+            </a:r>
+            <a:endParaRPr lang="en-US" dirty="0" smtClean="0"/>
           </a:p>
         </p:txBody>
       </p:sp>
     </p:spTree>
-    <p:extLst>
-      <p:ext uri="{BB962C8B-B14F-4D97-AF65-F5344CB8AC3E}">
-        <p14:creationId xmlns:p14="http://schemas.microsoft.com/office/powerpoint/2010/main" val="1893057290"/>
-      </p:ext>
-    </p:extLst>
   </p:cSld>
   <p:clrMapOvr>
     <a:masterClrMapping/>
@@ -9758,10 +9656,253 @@
       </p:grpSpPr>
       <p:sp>
         <p:nvSpPr>
+          <p:cNvPr id="5" name="Title 4">
+            <a:extLst>
+              <a:ext uri="{FF2B5EF4-FFF2-40B4-BE49-F238E27FC236}">
+                <a16:creationId xmlns="" xmlns:a16="http://schemas.microsoft.com/office/drawing/2014/main" id="{AF5A2BDD-B148-4F27-8921-CB48343D26A4}"/>
+              </a:ext>
+            </a:extLst>
+          </p:cNvPr>
+          <p:cNvSpPr>
+            <a:spLocks noGrp="1"/>
+          </p:cNvSpPr>
+          <p:nvPr>
+            <p:ph type="title"/>
+          </p:nvPr>
+        </p:nvSpPr>
+        <p:spPr>
+          <a:xfrm>
+            <a:off x="838200" y="703565"/>
+            <a:ext cx="10515600" cy="776288"/>
+          </a:xfrm>
+        </p:spPr>
+        <p:txBody>
+          <a:bodyPr/>
+          <a:lstStyle/>
+          <a:p>
+            <a:r>
+              <a:rPr lang="en-US" dirty="0"/>
+              <a:t>REFERENCES</a:t>
+            </a:r>
+            <a:endParaRPr lang="en-GB" dirty="0"/>
+          </a:p>
+        </p:txBody>
+      </p:sp>
+      <p:sp>
+        <p:nvSpPr>
+          <p:cNvPr id="6" name="Content Placeholder 5">
+            <a:extLst>
+              <a:ext uri="{FF2B5EF4-FFF2-40B4-BE49-F238E27FC236}">
+                <a16:creationId xmlns="" xmlns:a16="http://schemas.microsoft.com/office/drawing/2014/main" id="{DA1664A8-3DF3-41F7-BBFA-9727344715BF}"/>
+              </a:ext>
+            </a:extLst>
+          </p:cNvPr>
+          <p:cNvSpPr>
+            <a:spLocks noGrp="1"/>
+          </p:cNvSpPr>
+          <p:nvPr>
+            <p:ph idx="1"/>
+          </p:nvPr>
+        </p:nvSpPr>
+        <p:spPr>
+          <a:xfrm>
+            <a:off x="838199" y="1479853"/>
+            <a:ext cx="10898876" cy="4674582"/>
+          </a:xfrm>
+        </p:spPr>
+        <p:txBody>
+          <a:bodyPr>
+            <a:noAutofit/>
+          </a:bodyPr>
+          <a:lstStyle/>
+          <a:p>
+            <a:pPr marL="900113" indent="-900113">
+              <a:lnSpc>
+                <a:spcPts val="3360"/>
+              </a:lnSpc>
+              <a:spcBef>
+                <a:spcPts val="0"/>
+              </a:spcBef>
+              <a:buNone/>
+            </a:pPr>
+            <a:r>
+              <a:rPr lang="en-GB" sz="2600" dirty="0"/>
+              <a:t>[1]	</a:t>
+            </a:r>
+            <a:r>
+              <a:rPr lang="en-GB" sz="2600" dirty="0" err="1"/>
+              <a:t>Rajib</a:t>
+            </a:r>
+            <a:r>
+              <a:rPr lang="en-GB" sz="2600" dirty="0"/>
+              <a:t> Mall, </a:t>
+            </a:r>
+            <a:r>
+              <a:rPr lang="en-GB" sz="2600" i="1" dirty="0"/>
+              <a:t>Fundamentals of Software Engineering</a:t>
+            </a:r>
+            <a:r>
+              <a:rPr lang="en-GB" sz="2600" dirty="0"/>
+              <a:t>, 2</a:t>
+            </a:r>
+            <a:r>
+              <a:rPr lang="en-GB" sz="2600" baseline="30000" dirty="0"/>
+              <a:t>nd</a:t>
+            </a:r>
+            <a:r>
+              <a:rPr lang="en-GB" sz="2600" dirty="0"/>
+              <a:t> ed., IN: PHI, 2003</a:t>
+            </a:r>
+          </a:p>
+          <a:p>
+            <a:pPr marL="900113" indent="-900113">
+              <a:lnSpc>
+                <a:spcPts val="3360"/>
+              </a:lnSpc>
+              <a:spcBef>
+                <a:spcPts val="0"/>
+              </a:spcBef>
+              <a:buNone/>
+            </a:pPr>
+            <a:r>
+              <a:rPr lang="en-GB" sz="2600" dirty="0"/>
+              <a:t>[2]	Pankaj </a:t>
+            </a:r>
+            <a:r>
+              <a:rPr lang="en-GB" sz="2600" dirty="0" err="1"/>
+              <a:t>Jalote</a:t>
+            </a:r>
+            <a:r>
+              <a:rPr lang="en-GB" sz="2600" dirty="0"/>
+              <a:t>, </a:t>
+            </a:r>
+            <a:r>
+              <a:rPr lang="en-GB" sz="2600" i="1" dirty="0"/>
+              <a:t>A Concise Introduction to Software Engineering, </a:t>
+            </a:r>
+            <a:r>
+              <a:rPr lang="en-GB" sz="2600" dirty="0"/>
+              <a:t>1</a:t>
+            </a:r>
+            <a:r>
+              <a:rPr lang="en-GB" sz="2600" baseline="30000" dirty="0"/>
+              <a:t>st </a:t>
+            </a:r>
+            <a:r>
+              <a:rPr lang="en-GB" sz="2600" dirty="0"/>
+              <a:t>ed., UK: Springer,  2008. [E-book] Available: Springer e-book</a:t>
+            </a:r>
+          </a:p>
+          <a:p>
+            <a:pPr marL="900113" indent="-900113">
+              <a:lnSpc>
+                <a:spcPts val="3360"/>
+              </a:lnSpc>
+              <a:spcBef>
+                <a:spcPts val="0"/>
+              </a:spcBef>
+              <a:buNone/>
+            </a:pPr>
+            <a:r>
+              <a:rPr lang="en-GB" sz="2600" dirty="0"/>
+              <a:t>[3]	</a:t>
+            </a:r>
+            <a:r>
+              <a:rPr lang="en-US" sz="2600" dirty="0"/>
+              <a:t>Barber L. (Mar 2006). e-Recruitment  Developments. Institute  for Employment  Studies,  Brighton. [Online] Available: </a:t>
+            </a:r>
+            <a:r>
+              <a:rPr lang="en-US" sz="2600" dirty="0">
+                <a:hlinkClick r:id="rId2"/>
+              </a:rPr>
+              <a:t>https://www.employment-studies.co.uk/resource/erecruitment-developments</a:t>
+            </a:r>
+            <a:endParaRPr lang="en-US" sz="2600" dirty="0"/>
+          </a:p>
+          <a:p>
+            <a:pPr marL="900113" indent="-900113">
+              <a:lnSpc>
+                <a:spcPts val="3360"/>
+              </a:lnSpc>
+              <a:spcBef>
+                <a:spcPts val="0"/>
+              </a:spcBef>
+              <a:buNone/>
+            </a:pPr>
+            <a:r>
+              <a:rPr lang="en-US" sz="2600" dirty="0"/>
+              <a:t>[4]	</a:t>
+            </a:r>
+            <a:r>
+              <a:rPr lang="en-US" sz="2600" dirty="0" err="1"/>
+              <a:t>Ranga</a:t>
+            </a:r>
+            <a:r>
+              <a:rPr lang="en-US" sz="2600" dirty="0"/>
+              <a:t> Karanam, </a:t>
+            </a:r>
+            <a:r>
+              <a:rPr lang="en-US" sz="2600" i="1" dirty="0"/>
+              <a:t>Creating a Web Application with Spring Boot</a:t>
+            </a:r>
+            <a:r>
+              <a:rPr lang="en-US" sz="2600" dirty="0"/>
+              <a:t>, </a:t>
+            </a:r>
+            <a:r>
+              <a:rPr lang="en-US" sz="2600" dirty="0" err="1"/>
+              <a:t>DZone</a:t>
+            </a:r>
+            <a:r>
+              <a:rPr lang="en-US" sz="2600" dirty="0"/>
+              <a:t>, Jun. 02, 2017. Accessed on: Jul. 08, 2020. [Online] Available: </a:t>
+            </a:r>
+            <a:r>
+              <a:rPr lang="en-US" sz="2600" dirty="0">
+                <a:hlinkClick r:id="rId3"/>
+              </a:rPr>
+              <a:t>https://dzone.com/articles/creating-a-web-application-with-spring-boot</a:t>
+            </a:r>
+            <a:endParaRPr lang="en-US" sz="2600" dirty="0"/>
+          </a:p>
+        </p:txBody>
+      </p:sp>
+    </p:spTree>
+    <p:extLst>
+      <p:ext uri="{BB962C8B-B14F-4D97-AF65-F5344CB8AC3E}">
+        <p14:creationId xmlns="" xmlns:p14="http://schemas.microsoft.com/office/powerpoint/2010/main" val="1893057290"/>
+      </p:ext>
+    </p:extLst>
+  </p:cSld>
+  <p:clrMapOvr>
+    <a:masterClrMapping/>
+  </p:clrMapOvr>
+</p:sld>
+</file>
+
+<file path=ppt/slides/slide39.xml><?xml version="1.0" encoding="utf-8"?>
+<p:sld xmlns:a="http://schemas.openxmlformats.org/drawingml/2006/main" xmlns:r="http://schemas.openxmlformats.org/officeDocument/2006/relationships" xmlns:p="http://schemas.openxmlformats.org/presentationml/2006/main">
+  <p:cSld>
+    <p:spTree>
+      <p:nvGrpSpPr>
+        <p:cNvPr id="1" name=""/>
+        <p:cNvGrpSpPr/>
+        <p:nvPr/>
+      </p:nvGrpSpPr>
+      <p:grpSpPr>
+        <a:xfrm>
+          <a:off x="0" y="0"/>
+          <a:ext cx="0" cy="0"/>
+          <a:chOff x="0" y="0"/>
+          <a:chExt cx="0" cy="0"/>
+        </a:xfrm>
+      </p:grpSpPr>
+      <p:sp>
+        <p:nvSpPr>
           <p:cNvPr id="4" name="Title 3">
             <a:extLst>
               <a:ext uri="{FF2B5EF4-FFF2-40B4-BE49-F238E27FC236}">
-                <a16:creationId xmlns:a16="http://schemas.microsoft.com/office/drawing/2014/main" id="{EA8558A0-16AF-40A2-94AF-AFFDBFB63E72}"/>
+                <a16:creationId xmlns="" xmlns:a16="http://schemas.microsoft.com/office/drawing/2014/main" id="{EA8558A0-16AF-40A2-94AF-AFFDBFB63E72}"/>
               </a:ext>
             </a:extLst>
           </p:cNvPr>
@@ -9788,7 +9929,7 @@
     </p:spTree>
     <p:extLst>
       <p:ext uri="{BB962C8B-B14F-4D97-AF65-F5344CB8AC3E}">
-        <p14:creationId xmlns:p14="http://schemas.microsoft.com/office/powerpoint/2010/main" val="492460600"/>
+        <p14:creationId xmlns="" xmlns:p14="http://schemas.microsoft.com/office/powerpoint/2010/main" val="492460600"/>
       </p:ext>
     </p:extLst>
   </p:cSld>
@@ -9820,7 +9961,7 @@
           <p:cNvPr id="5" name="Title 4">
             <a:extLst>
               <a:ext uri="{FF2B5EF4-FFF2-40B4-BE49-F238E27FC236}">
-                <a16:creationId xmlns:a16="http://schemas.microsoft.com/office/drawing/2014/main" id="{AF5A2BDD-B148-4F27-8921-CB48343D26A4}"/>
+                <a16:creationId xmlns="" xmlns:a16="http://schemas.microsoft.com/office/drawing/2014/main" id="{AF5A2BDD-B148-4F27-8921-CB48343D26A4}"/>
               </a:ext>
             </a:extLst>
           </p:cNvPr>
@@ -9849,7 +9990,7 @@
           <p:cNvPr id="6" name="Content Placeholder 5">
             <a:extLst>
               <a:ext uri="{FF2B5EF4-FFF2-40B4-BE49-F238E27FC236}">
-                <a16:creationId xmlns:a16="http://schemas.microsoft.com/office/drawing/2014/main" id="{DA1664A8-3DF3-41F7-BBFA-9727344715BF}"/>
+                <a16:creationId xmlns="" xmlns:a16="http://schemas.microsoft.com/office/drawing/2014/main" id="{DA1664A8-3DF3-41F7-BBFA-9727344715BF}"/>
               </a:ext>
             </a:extLst>
           </p:cNvPr>
@@ -9914,7 +10055,7 @@
     </p:spTree>
     <p:extLst>
       <p:ext uri="{BB962C8B-B14F-4D97-AF65-F5344CB8AC3E}">
-        <p14:creationId xmlns:p14="http://schemas.microsoft.com/office/powerpoint/2010/main" val="1061575583"/>
+        <p14:creationId xmlns="" xmlns:p14="http://schemas.microsoft.com/office/powerpoint/2010/main" val="1061575583"/>
       </p:ext>
     </p:extLst>
   </p:cSld>
@@ -9946,7 +10087,7 @@
           <p:cNvPr id="5" name="Title 4">
             <a:extLst>
               <a:ext uri="{FF2B5EF4-FFF2-40B4-BE49-F238E27FC236}">
-                <a16:creationId xmlns:a16="http://schemas.microsoft.com/office/drawing/2014/main" id="{AF5A2BDD-B148-4F27-8921-CB48343D26A4}"/>
+                <a16:creationId xmlns="" xmlns:a16="http://schemas.microsoft.com/office/drawing/2014/main" id="{AF5A2BDD-B148-4F27-8921-CB48343D26A4}"/>
               </a:ext>
             </a:extLst>
           </p:cNvPr>
@@ -9975,7 +10116,7 @@
           <p:cNvPr id="6" name="Content Placeholder 5">
             <a:extLst>
               <a:ext uri="{FF2B5EF4-FFF2-40B4-BE49-F238E27FC236}">
-                <a16:creationId xmlns:a16="http://schemas.microsoft.com/office/drawing/2014/main" id="{DA1664A8-3DF3-41F7-BBFA-9727344715BF}"/>
+                <a16:creationId xmlns="" xmlns:a16="http://schemas.microsoft.com/office/drawing/2014/main" id="{DA1664A8-3DF3-41F7-BBFA-9727344715BF}"/>
               </a:ext>
             </a:extLst>
           </p:cNvPr>
@@ -10031,7 +10172,7 @@
     </p:spTree>
     <p:extLst>
       <p:ext uri="{BB962C8B-B14F-4D97-AF65-F5344CB8AC3E}">
-        <p14:creationId xmlns:p14="http://schemas.microsoft.com/office/powerpoint/2010/main" val="727587980"/>
+        <p14:creationId xmlns="" xmlns:p14="http://schemas.microsoft.com/office/powerpoint/2010/main" val="727587980"/>
       </p:ext>
     </p:extLst>
   </p:cSld>
@@ -10063,7 +10204,7 @@
           <p:cNvPr id="5" name="Title 4">
             <a:extLst>
               <a:ext uri="{FF2B5EF4-FFF2-40B4-BE49-F238E27FC236}">
-                <a16:creationId xmlns:a16="http://schemas.microsoft.com/office/drawing/2014/main" id="{AF5A2BDD-B148-4F27-8921-CB48343D26A4}"/>
+                <a16:creationId xmlns="" xmlns:a16="http://schemas.microsoft.com/office/drawing/2014/main" id="{AF5A2BDD-B148-4F27-8921-CB48343D26A4}"/>
               </a:ext>
             </a:extLst>
           </p:cNvPr>
@@ -10092,7 +10233,7 @@
           <p:cNvPr id="4" name="Text Placeholder 3">
             <a:extLst>
               <a:ext uri="{FF2B5EF4-FFF2-40B4-BE49-F238E27FC236}">
-                <a16:creationId xmlns:a16="http://schemas.microsoft.com/office/drawing/2014/main" id="{B17C4877-D59E-499B-AC75-997B4B8ADECE}"/>
+                <a16:creationId xmlns="" xmlns:a16="http://schemas.microsoft.com/office/drawing/2014/main" id="{B17C4877-D59E-499B-AC75-997B4B8ADECE}"/>
               </a:ext>
             </a:extLst>
           </p:cNvPr>
@@ -10121,7 +10262,7 @@
           <p:cNvPr id="12" name="Content Placeholder 11">
             <a:extLst>
               <a:ext uri="{FF2B5EF4-FFF2-40B4-BE49-F238E27FC236}">
-                <a16:creationId xmlns:a16="http://schemas.microsoft.com/office/drawing/2014/main" id="{BF1A91E2-1922-44C8-AA0E-2FB234681C90}"/>
+                <a16:creationId xmlns="" xmlns:a16="http://schemas.microsoft.com/office/drawing/2014/main" id="{BF1A91E2-1922-44C8-AA0E-2FB234681C90}"/>
               </a:ext>
             </a:extLst>
           </p:cNvPr>
@@ -10173,7 +10314,7 @@
           <p:cNvPr id="8" name="Text Placeholder 7">
             <a:extLst>
               <a:ext uri="{FF2B5EF4-FFF2-40B4-BE49-F238E27FC236}">
-                <a16:creationId xmlns:a16="http://schemas.microsoft.com/office/drawing/2014/main" id="{AB43F67B-8E3A-4AEA-AF5B-F759144DABD7}"/>
+                <a16:creationId xmlns="" xmlns:a16="http://schemas.microsoft.com/office/drawing/2014/main" id="{AB43F67B-8E3A-4AEA-AF5B-F759144DABD7}"/>
               </a:ext>
             </a:extLst>
           </p:cNvPr>
@@ -10205,7 +10346,7 @@
           <p:cNvPr id="13" name="Content Placeholder 12">
             <a:extLst>
               <a:ext uri="{FF2B5EF4-FFF2-40B4-BE49-F238E27FC236}">
-                <a16:creationId xmlns:a16="http://schemas.microsoft.com/office/drawing/2014/main" id="{AEDFC6B5-A21A-4E72-BD28-278E7E379F23}"/>
+                <a16:creationId xmlns="" xmlns:a16="http://schemas.microsoft.com/office/drawing/2014/main" id="{AEDFC6B5-A21A-4E72-BD28-278E7E379F23}"/>
               </a:ext>
             </a:extLst>
           </p:cNvPr>
@@ -10253,7 +10394,7 @@
           <p:cNvPr id="14" name="Text Placeholder 13">
             <a:extLst>
               <a:ext uri="{FF2B5EF4-FFF2-40B4-BE49-F238E27FC236}">
-                <a16:creationId xmlns:a16="http://schemas.microsoft.com/office/drawing/2014/main" id="{F97F84DA-CC92-40BE-90A0-EAFC0F77ACD5}"/>
+                <a16:creationId xmlns="" xmlns:a16="http://schemas.microsoft.com/office/drawing/2014/main" id="{F97F84DA-CC92-40BE-90A0-EAFC0F77ACD5}"/>
               </a:ext>
             </a:extLst>
           </p:cNvPr>
@@ -10285,7 +10426,7 @@
           <p:cNvPr id="15" name="Content Placeholder 14">
             <a:extLst>
               <a:ext uri="{FF2B5EF4-FFF2-40B4-BE49-F238E27FC236}">
-                <a16:creationId xmlns:a16="http://schemas.microsoft.com/office/drawing/2014/main" id="{65EDAF3D-0C05-40EA-9B5E-AE4B6B652DAB}"/>
+                <a16:creationId xmlns="" xmlns:a16="http://schemas.microsoft.com/office/drawing/2014/main" id="{65EDAF3D-0C05-40EA-9B5E-AE4B6B652DAB}"/>
               </a:ext>
             </a:extLst>
           </p:cNvPr>
@@ -10337,7 +10478,7 @@
     </p:spTree>
     <p:extLst>
       <p:ext uri="{BB962C8B-B14F-4D97-AF65-F5344CB8AC3E}">
-        <p14:creationId xmlns:p14="http://schemas.microsoft.com/office/powerpoint/2010/main" val="2874176155"/>
+        <p14:creationId xmlns="" xmlns:p14="http://schemas.microsoft.com/office/powerpoint/2010/main" val="2874176155"/>
       </p:ext>
     </p:extLst>
   </p:cSld>
@@ -10369,7 +10510,7 @@
           <p:cNvPr id="5" name="Title 4">
             <a:extLst>
               <a:ext uri="{FF2B5EF4-FFF2-40B4-BE49-F238E27FC236}">
-                <a16:creationId xmlns:a16="http://schemas.microsoft.com/office/drawing/2014/main" id="{AF5A2BDD-B148-4F27-8921-CB48343D26A4}"/>
+                <a16:creationId xmlns="" xmlns:a16="http://schemas.microsoft.com/office/drawing/2014/main" id="{AF5A2BDD-B148-4F27-8921-CB48343D26A4}"/>
               </a:ext>
             </a:extLst>
           </p:cNvPr>
@@ -10400,7 +10541,7 @@
           <p:cNvPr id="2" name="Text Placeholder 1">
             <a:extLst>
               <a:ext uri="{FF2B5EF4-FFF2-40B4-BE49-F238E27FC236}">
-                <a16:creationId xmlns:a16="http://schemas.microsoft.com/office/drawing/2014/main" id="{D7276472-8EFD-439B-9D3B-ACDA0172BF56}"/>
+                <a16:creationId xmlns="" xmlns:a16="http://schemas.microsoft.com/office/drawing/2014/main" id="{D7276472-8EFD-439B-9D3B-ACDA0172BF56}"/>
               </a:ext>
             </a:extLst>
           </p:cNvPr>
@@ -10431,7 +10572,7 @@
           <p:cNvPr id="3" name="Content Placeholder 2">
             <a:extLst>
               <a:ext uri="{FF2B5EF4-FFF2-40B4-BE49-F238E27FC236}">
-                <a16:creationId xmlns:a16="http://schemas.microsoft.com/office/drawing/2014/main" id="{8A9C7322-9FFF-44B3-BAF6-3BD4F1958299}"/>
+                <a16:creationId xmlns="" xmlns:a16="http://schemas.microsoft.com/office/drawing/2014/main" id="{8A9C7322-9FFF-44B3-BAF6-3BD4F1958299}"/>
               </a:ext>
             </a:extLst>
           </p:cNvPr>
@@ -10465,7 +10606,7 @@
           <p:cNvPr id="4" name="Text Placeholder 3">
             <a:extLst>
               <a:ext uri="{FF2B5EF4-FFF2-40B4-BE49-F238E27FC236}">
-                <a16:creationId xmlns:a16="http://schemas.microsoft.com/office/drawing/2014/main" id="{8F20AA0B-4926-4923-A0C9-5042003261EB}"/>
+                <a16:creationId xmlns="" xmlns:a16="http://schemas.microsoft.com/office/drawing/2014/main" id="{8F20AA0B-4926-4923-A0C9-5042003261EB}"/>
               </a:ext>
             </a:extLst>
           </p:cNvPr>
@@ -10499,7 +10640,7 @@
           <p:cNvPr id="7" name="Content Placeholder 6">
             <a:extLst>
               <a:ext uri="{FF2B5EF4-FFF2-40B4-BE49-F238E27FC236}">
-                <a16:creationId xmlns:a16="http://schemas.microsoft.com/office/drawing/2014/main" id="{ABA42A89-7ED1-4972-8341-EB283F8AB96F}"/>
+                <a16:creationId xmlns="" xmlns:a16="http://schemas.microsoft.com/office/drawing/2014/main" id="{ABA42A89-7ED1-4972-8341-EB283F8AB96F}"/>
               </a:ext>
             </a:extLst>
           </p:cNvPr>
@@ -10543,7 +10684,7 @@
           <p:cNvPr id="8" name="Text Placeholder 7">
             <a:extLst>
               <a:ext uri="{FF2B5EF4-FFF2-40B4-BE49-F238E27FC236}">
-                <a16:creationId xmlns:a16="http://schemas.microsoft.com/office/drawing/2014/main" id="{77D946F0-DD75-4E57-91F4-B3F43F8ABD86}"/>
+                <a16:creationId xmlns="" xmlns:a16="http://schemas.microsoft.com/office/drawing/2014/main" id="{77D946F0-DD75-4E57-91F4-B3F43F8ABD86}"/>
               </a:ext>
             </a:extLst>
           </p:cNvPr>
@@ -10577,7 +10718,7 @@
           <p:cNvPr id="9" name="Content Placeholder 8">
             <a:extLst>
               <a:ext uri="{FF2B5EF4-FFF2-40B4-BE49-F238E27FC236}">
-                <a16:creationId xmlns:a16="http://schemas.microsoft.com/office/drawing/2014/main" id="{A7E9C391-A46A-40F8-952B-E71F2AE689E7}"/>
+                <a16:creationId xmlns="" xmlns:a16="http://schemas.microsoft.com/office/drawing/2014/main" id="{A7E9C391-A46A-40F8-952B-E71F2AE689E7}"/>
               </a:ext>
             </a:extLst>
           </p:cNvPr>
@@ -10669,7 +10810,7 @@
     </p:spTree>
     <p:extLst>
       <p:ext uri="{BB962C8B-B14F-4D97-AF65-F5344CB8AC3E}">
-        <p14:creationId xmlns:p14="http://schemas.microsoft.com/office/powerpoint/2010/main" val="899812988"/>
+        <p14:creationId xmlns="" xmlns:p14="http://schemas.microsoft.com/office/powerpoint/2010/main" val="899812988"/>
       </p:ext>
     </p:extLst>
   </p:cSld>
@@ -10701,7 +10842,7 @@
           <p:cNvPr id="5" name="Title 4">
             <a:extLst>
               <a:ext uri="{FF2B5EF4-FFF2-40B4-BE49-F238E27FC236}">
-                <a16:creationId xmlns:a16="http://schemas.microsoft.com/office/drawing/2014/main" id="{AF5A2BDD-B148-4F27-8921-CB48343D26A4}"/>
+                <a16:creationId xmlns="" xmlns:a16="http://schemas.microsoft.com/office/drawing/2014/main" id="{AF5A2BDD-B148-4F27-8921-CB48343D26A4}"/>
               </a:ext>
             </a:extLst>
           </p:cNvPr>
@@ -10730,7 +10871,7 @@
           <p:cNvPr id="6" name="Content Placeholder 5">
             <a:extLst>
               <a:ext uri="{FF2B5EF4-FFF2-40B4-BE49-F238E27FC236}">
-                <a16:creationId xmlns:a16="http://schemas.microsoft.com/office/drawing/2014/main" id="{DA1664A8-3DF3-41F7-BBFA-9727344715BF}"/>
+                <a16:creationId xmlns="" xmlns:a16="http://schemas.microsoft.com/office/drawing/2014/main" id="{DA1664A8-3DF3-41F7-BBFA-9727344715BF}"/>
               </a:ext>
             </a:extLst>
           </p:cNvPr>
@@ -10779,7 +10920,7 @@
     </p:spTree>
     <p:extLst>
       <p:ext uri="{BB962C8B-B14F-4D97-AF65-F5344CB8AC3E}">
-        <p14:creationId xmlns:p14="http://schemas.microsoft.com/office/powerpoint/2010/main" val="4081839589"/>
+        <p14:creationId xmlns="" xmlns:p14="http://schemas.microsoft.com/office/powerpoint/2010/main" val="4081839589"/>
       </p:ext>
     </p:extLst>
   </p:cSld>
@@ -10811,7 +10952,7 @@
           <p:cNvPr id="5" name="Title 4">
             <a:extLst>
               <a:ext uri="{FF2B5EF4-FFF2-40B4-BE49-F238E27FC236}">
-                <a16:creationId xmlns:a16="http://schemas.microsoft.com/office/drawing/2014/main" id="{AF5A2BDD-B148-4F27-8921-CB48343D26A4}"/>
+                <a16:creationId xmlns="" xmlns:a16="http://schemas.microsoft.com/office/drawing/2014/main" id="{AF5A2BDD-B148-4F27-8921-CB48343D26A4}"/>
               </a:ext>
             </a:extLst>
           </p:cNvPr>
@@ -10840,7 +10981,7 @@
           <p:cNvPr id="6" name="Content Placeholder 5">
             <a:extLst>
               <a:ext uri="{FF2B5EF4-FFF2-40B4-BE49-F238E27FC236}">
-                <a16:creationId xmlns:a16="http://schemas.microsoft.com/office/drawing/2014/main" id="{DA1664A8-3DF3-41F7-BBFA-9727344715BF}"/>
+                <a16:creationId xmlns="" xmlns:a16="http://schemas.microsoft.com/office/drawing/2014/main" id="{DA1664A8-3DF3-41F7-BBFA-9727344715BF}"/>
               </a:ext>
             </a:extLst>
           </p:cNvPr>
@@ -10880,7 +11021,7 @@
     </p:spTree>
     <p:extLst>
       <p:ext uri="{BB962C8B-B14F-4D97-AF65-F5344CB8AC3E}">
-        <p14:creationId xmlns:p14="http://schemas.microsoft.com/office/powerpoint/2010/main" val="2481002695"/>
+        <p14:creationId xmlns="" xmlns:p14="http://schemas.microsoft.com/office/powerpoint/2010/main" val="2481002695"/>
       </p:ext>
     </p:extLst>
   </p:cSld>
@@ -10933,7 +11074,7 @@
     </a:clrScheme>
     <a:fontScheme name="Tw Cen MT">
       <a:majorFont>
-        <a:latin typeface="Tw Cen MT" panose="020B0602020104020603"/>
+        <a:latin typeface="Tw Cen MT"/>
         <a:ea typeface=""/>
         <a:cs typeface=""/>
         <a:font script="Grek" typeface="Calibri"/>
@@ -10970,7 +11111,7 @@
         <a:font script="Geor" typeface="Sylfaen"/>
       </a:majorFont>
       <a:minorFont>
-        <a:latin typeface="Tw Cen MT" panose="020B0602020104020603"/>
+        <a:latin typeface="Tw Cen MT"/>
         <a:ea typeface=""/>
         <a:cs typeface=""/>
         <a:font script="Grek" typeface="Calibri"/>
@@ -11149,7 +11290,7 @@
   <a:extraClrSchemeLst/>
   <a:extLst>
     <a:ext uri="{05A4C25C-085E-4340-85A3-A5531E510DB2}">
-      <thm15:themeFamily xmlns:thm15="http://schemas.microsoft.com/office/thememl/2012/main" name="Office Theme" id="{62F939B6-93AF-4DB8-9C6B-D6C7DFDC589F}" vid="{4A3C46E8-61CC-4603-A589-7422A47A8E4A}"/>
+      <thm15:themeFamily xmlns="" xmlns:thm15="http://schemas.microsoft.com/office/thememl/2012/main" name="Office Theme" id="{62F939B6-93AF-4DB8-9C6B-D6C7DFDC589F}" vid="{4A3C46E8-61CC-4603-A589-7422A47A8E4A}"/>
     </a:ext>
   </a:extLst>
 </a:theme>
@@ -11198,7 +11339,7 @@
     </a:clrScheme>
     <a:fontScheme name="Office">
       <a:majorFont>
-        <a:latin typeface="Calibri Light" panose="020F0302020204030204"/>
+        <a:latin typeface="Calibri Light"/>
         <a:ea typeface=""/>
         <a:cs typeface=""/>
         <a:font script="Jpan" typeface="游ゴシック Light"/>
@@ -11250,7 +11391,7 @@
         <a:font script="Tfng" typeface="Ebrima"/>
       </a:majorFont>
       <a:minorFont>
-        <a:latin typeface="Calibri" panose="020F0502020204030204"/>
+        <a:latin typeface="Calibri"/>
         <a:ea typeface=""/>
         <a:cs typeface=""/>
         <a:font script="Jpan" typeface="游ゴシック"/>
@@ -11444,7 +11585,7 @@
   <a:extraClrSchemeLst/>
   <a:extLst>
     <a:ext uri="{05A4C25C-085E-4340-85A3-A5531E510DB2}">
-      <thm15:themeFamily xmlns:thm15="http://schemas.microsoft.com/office/thememl/2012/main" name="Office Theme" id="{62F939B6-93AF-4DB8-9C6B-D6C7DFDC589F}" vid="{4A3C46E8-61CC-4603-A589-7422A47A8E4A}"/>
+      <thm15:themeFamily xmlns="" xmlns:thm15="http://schemas.microsoft.com/office/thememl/2012/main" name="Office Theme" id="{62F939B6-93AF-4DB8-9C6B-D6C7DFDC589F}" vid="{4A3C46E8-61CC-4603-A589-7422A47A8E4A}"/>
     </a:ext>
   </a:extLst>
 </a:theme>
